--- a/第17小组项目最终PPT.pptx
+++ b/第17小组项目最终PPT.pptx
@@ -5,32 +5,35 @@
     <p:sldMasterId id="2147483660" r:id="rId1"/>
   </p:sldMasterIdLst>
   <p:notesMasterIdLst>
-    <p:notesMasterId r:id="rId25"/>
+    <p:notesMasterId r:id="rId28"/>
   </p:notesMasterIdLst>
   <p:sldIdLst>
     <p:sldId id="256" r:id="rId2"/>
     <p:sldId id="257" r:id="rId3"/>
-    <p:sldId id="258" r:id="rId4"/>
-    <p:sldId id="262" r:id="rId5"/>
-    <p:sldId id="263" r:id="rId6"/>
+    <p:sldId id="281" r:id="rId4"/>
+    <p:sldId id="279" r:id="rId5"/>
+    <p:sldId id="280" r:id="rId6"/>
     <p:sldId id="259" r:id="rId7"/>
-    <p:sldId id="260" r:id="rId8"/>
-    <p:sldId id="264" r:id="rId9"/>
-    <p:sldId id="265" r:id="rId10"/>
-    <p:sldId id="266" r:id="rId11"/>
-    <p:sldId id="267" r:id="rId12"/>
-    <p:sldId id="268" r:id="rId13"/>
-    <p:sldId id="261" r:id="rId14"/>
-    <p:sldId id="269" r:id="rId15"/>
-    <p:sldId id="270" r:id="rId16"/>
-    <p:sldId id="271" r:id="rId17"/>
-    <p:sldId id="272" r:id="rId18"/>
-    <p:sldId id="273" r:id="rId19"/>
-    <p:sldId id="274" r:id="rId20"/>
-    <p:sldId id="275" r:id="rId21"/>
-    <p:sldId id="276" r:id="rId22"/>
-    <p:sldId id="277" r:id="rId23"/>
-    <p:sldId id="278" r:id="rId24"/>
+    <p:sldId id="258" r:id="rId8"/>
+    <p:sldId id="260" r:id="rId9"/>
+    <p:sldId id="262" r:id="rId10"/>
+    <p:sldId id="263" r:id="rId11"/>
+    <p:sldId id="264" r:id="rId12"/>
+    <p:sldId id="265" r:id="rId13"/>
+    <p:sldId id="266" r:id="rId14"/>
+    <p:sldId id="267" r:id="rId15"/>
+    <p:sldId id="268" r:id="rId16"/>
+    <p:sldId id="261" r:id="rId17"/>
+    <p:sldId id="269" r:id="rId18"/>
+    <p:sldId id="270" r:id="rId19"/>
+    <p:sldId id="271" r:id="rId20"/>
+    <p:sldId id="272" r:id="rId21"/>
+    <p:sldId id="273" r:id="rId22"/>
+    <p:sldId id="274" r:id="rId23"/>
+    <p:sldId id="275" r:id="rId24"/>
+    <p:sldId id="276" r:id="rId25"/>
+    <p:sldId id="277" r:id="rId26"/>
+    <p:sldId id="278" r:id="rId27"/>
   </p:sldIdLst>
   <p:sldSz cx="12192000" cy="6858000"/>
   <p:notesSz cx="6858000" cy="9144000"/>
@@ -129,6 +132,11 @@
       </a:defRPr>
     </a:lvl9pPr>
   </p:defaultTextStyle>
+  <p:extLst>
+    <p:ext uri="{EFAFB233-063F-42B5-8137-9DF3F51BA10A}">
+      <p15:sldGuideLst xmlns:p15="http://schemas.microsoft.com/office/powerpoint/2012/main"/>
+    </p:ext>
+  </p:extLst>
 </p:presentation>
 </file>
 
@@ -214,7 +222,7 @@
           <a:p>
             <a:fld id="{971FEA9B-79F2-492E-A121-3F2CF7EB5D16}" type="datetimeFigureOut">
               <a:rPr lang="zh-CN" altLang="en-US" smtClean="0"/>
-              <a:t>2021/5/30</a:t>
+              <a:t>2021/5/31</a:t>
             </a:fld>
             <a:endParaRPr lang="zh-CN" altLang="en-US"/>
           </a:p>
@@ -1776,7 +1784,7 @@
           <a:p>
             <a:fld id="{0F3FD028-BD63-449A-9A6A-75BFC866B95D}" type="datetimeFigureOut">
               <a:rPr lang="zh-CN" altLang="en-US" smtClean="0"/>
-              <a:t>2021/5/30</a:t>
+              <a:t>2021/5/31</a:t>
             </a:fld>
             <a:endParaRPr lang="zh-CN" altLang="en-US"/>
           </a:p>
@@ -2014,7 +2022,7 @@
           <a:p>
             <a:fld id="{0F3FD028-BD63-449A-9A6A-75BFC866B95D}" type="datetimeFigureOut">
               <a:rPr lang="zh-CN" altLang="en-US" smtClean="0"/>
-              <a:t>2021/5/30</a:t>
+              <a:t>2021/5/31</a:t>
             </a:fld>
             <a:endParaRPr lang="zh-CN" altLang="en-US"/>
           </a:p>
@@ -2194,7 +2202,7 @@
           <a:p>
             <a:fld id="{0F3FD028-BD63-449A-9A6A-75BFC866B95D}" type="datetimeFigureOut">
               <a:rPr lang="zh-CN" altLang="en-US" smtClean="0"/>
-              <a:t>2021/5/30</a:t>
+              <a:t>2021/5/31</a:t>
             </a:fld>
             <a:endParaRPr lang="zh-CN" altLang="en-US"/>
           </a:p>
@@ -2364,7 +2372,7 @@
           <a:p>
             <a:fld id="{0F3FD028-BD63-449A-9A6A-75BFC866B95D}" type="datetimeFigureOut">
               <a:rPr lang="zh-CN" altLang="en-US" smtClean="0"/>
-              <a:t>2021/5/30</a:t>
+              <a:t>2021/5/31</a:t>
             </a:fld>
             <a:endParaRPr lang="zh-CN" altLang="en-US"/>
           </a:p>
@@ -2640,7 +2648,7 @@
           <a:p>
             <a:fld id="{0F3FD028-BD63-449A-9A6A-75BFC866B95D}" type="datetimeFigureOut">
               <a:rPr lang="zh-CN" altLang="en-US" smtClean="0"/>
-              <a:t>2021/5/30</a:t>
+              <a:t>2021/5/31</a:t>
             </a:fld>
             <a:endParaRPr lang="zh-CN" altLang="en-US"/>
           </a:p>
@@ -3841,7 +3849,7 @@
           <a:p>
             <a:fld id="{0F3FD028-BD63-449A-9A6A-75BFC866B95D}" type="datetimeFigureOut">
               <a:rPr lang="zh-CN" altLang="en-US" smtClean="0"/>
-              <a:t>2021/5/30</a:t>
+              <a:t>2021/5/31</a:t>
             </a:fld>
             <a:endParaRPr lang="zh-CN" altLang="en-US"/>
           </a:p>
@@ -4231,7 +4239,7 @@
           <a:p>
             <a:fld id="{0F3FD028-BD63-449A-9A6A-75BFC866B95D}" type="datetimeFigureOut">
               <a:rPr lang="zh-CN" altLang="en-US" smtClean="0"/>
-              <a:t>2021/5/30</a:t>
+              <a:t>2021/5/31</a:t>
             </a:fld>
             <a:endParaRPr lang="zh-CN" altLang="en-US"/>
           </a:p>
@@ -4354,7 +4362,7 @@
           <a:p>
             <a:fld id="{0F3FD028-BD63-449A-9A6A-75BFC866B95D}" type="datetimeFigureOut">
               <a:rPr lang="zh-CN" altLang="en-US" smtClean="0"/>
-              <a:t>2021/5/30</a:t>
+              <a:t>2021/5/31</a:t>
             </a:fld>
             <a:endParaRPr lang="zh-CN" altLang="en-US"/>
           </a:p>
@@ -4449,7 +4457,7 @@
           <a:p>
             <a:fld id="{0F3FD028-BD63-449A-9A6A-75BFC866B95D}" type="datetimeFigureOut">
               <a:rPr lang="zh-CN" altLang="en-US" smtClean="0"/>
-              <a:t>2021/5/30</a:t>
+              <a:t>2021/5/31</a:t>
             </a:fld>
             <a:endParaRPr lang="zh-CN" altLang="en-US"/>
           </a:p>
@@ -5212,7 +5220,7 @@
           <a:p>
             <a:fld id="{0F3FD028-BD63-449A-9A6A-75BFC866B95D}" type="datetimeFigureOut">
               <a:rPr lang="zh-CN" altLang="en-US" smtClean="0"/>
-              <a:t>2021/5/30</a:t>
+              <a:t>2021/5/31</a:t>
             </a:fld>
             <a:endParaRPr lang="zh-CN" altLang="en-US"/>
           </a:p>
@@ -6052,7 +6060,7 @@
           <a:p>
             <a:fld id="{0F3FD028-BD63-449A-9A6A-75BFC866B95D}" type="datetimeFigureOut">
               <a:rPr lang="zh-CN" altLang="en-US" smtClean="0"/>
-              <a:t>2021/5/30</a:t>
+              <a:t>2021/5/31</a:t>
             </a:fld>
             <a:endParaRPr lang="zh-CN" altLang="en-US"/>
           </a:p>
@@ -6279,7 +6287,7 @@
           <a:p>
             <a:fld id="{0F3FD028-BD63-449A-9A6A-75BFC866B95D}" type="datetimeFigureOut">
               <a:rPr lang="zh-CN" altLang="en-US" smtClean="0"/>
-              <a:t>2021/5/30</a:t>
+              <a:t>2021/5/31</a:t>
             </a:fld>
             <a:endParaRPr lang="zh-CN" altLang="en-US"/>
           </a:p>
@@ -7311,6 +7319,18 @@
               <a:rPr lang="zh-CN" altLang="en-US" sz="8000" b="1" dirty="0"/>
               <a:t>小组最终报告</a:t>
             </a:r>
+            <a:br>
+              <a:rPr lang="en-US" altLang="zh-CN" sz="8000" b="1" dirty="0"/>
+            </a:br>
+            <a:r>
+              <a:rPr lang="zh-CN" altLang="en-US" sz="6600" b="1" dirty="0"/>
+              <a:t>图书管理系统</a:t>
+            </a:r>
+            <a:r>
+              <a:rPr lang="en-US" altLang="zh-CN" sz="6600" b="1" dirty="0"/>
+              <a:t>WEB</a:t>
+            </a:r>
+            <a:endParaRPr lang="zh-CN" altLang="en-US" sz="8000" b="1" dirty="0"/>
           </a:p>
         </p:txBody>
       </p:sp>
@@ -7356,6 +7376,367 @@
 </file>
 
 <file path=ppt/slides/slide10.xml><?xml version="1.0" encoding="utf-8"?>
+<p:sld xmlns:a="http://schemas.openxmlformats.org/drawingml/2006/main" xmlns:r="http://schemas.openxmlformats.org/officeDocument/2006/relationships" xmlns:p="http://schemas.openxmlformats.org/presentationml/2006/main">
+  <p:cSld>
+    <p:spTree>
+      <p:nvGrpSpPr>
+        <p:cNvPr id="1" name=""/>
+        <p:cNvGrpSpPr/>
+        <p:nvPr/>
+      </p:nvGrpSpPr>
+      <p:grpSpPr>
+        <a:xfrm>
+          <a:off x="0" y="0"/>
+          <a:ext cx="0" cy="0"/>
+          <a:chOff x="0" y="0"/>
+          <a:chExt cx="0" cy="0"/>
+        </a:xfrm>
+      </p:grpSpPr>
+      <p:pic>
+        <p:nvPicPr>
+          <p:cNvPr id="5" name="图片 4">
+            <a:extLst>
+              <a:ext uri="{FF2B5EF4-FFF2-40B4-BE49-F238E27FC236}">
+                <a16:creationId xmlns:a16="http://schemas.microsoft.com/office/drawing/2014/main" id="{AEB7630E-0549-4E64-B48A-A8C39D42009A}"/>
+              </a:ext>
+            </a:extLst>
+          </p:cNvPr>
+          <p:cNvPicPr>
+            <a:picLocks noChangeAspect="1"/>
+          </p:cNvPicPr>
+          <p:nvPr/>
+        </p:nvPicPr>
+        <p:blipFill>
+          <a:blip r:embed="rId2">
+            <a:extLst>
+              <a:ext uri="{28A0092B-C50C-407E-A947-70E740481C1C}">
+                <a14:useLocalDpi xmlns:a14="http://schemas.microsoft.com/office/drawing/2010/main" val="0"/>
+              </a:ext>
+            </a:extLst>
+          </a:blip>
+          <a:stretch>
+            <a:fillRect/>
+          </a:stretch>
+        </p:blipFill>
+        <p:spPr>
+          <a:xfrm>
+            <a:off x="1725105" y="1745695"/>
+            <a:ext cx="8993171" cy="4552158"/>
+          </a:xfrm>
+          <a:prstGeom prst="rect">
+            <a:avLst/>
+          </a:prstGeom>
+        </p:spPr>
+      </p:pic>
+      <p:sp>
+        <p:nvSpPr>
+          <p:cNvPr id="6" name="文本框 5">
+            <a:extLst>
+              <a:ext uri="{FF2B5EF4-FFF2-40B4-BE49-F238E27FC236}">
+                <a16:creationId xmlns:a16="http://schemas.microsoft.com/office/drawing/2014/main" id="{D3E1DFF8-96D7-4F3A-B7A6-0CDD5DE6C2DD}"/>
+              </a:ext>
+            </a:extLst>
+          </p:cNvPr>
+          <p:cNvSpPr txBox="1"/>
+          <p:nvPr/>
+        </p:nvSpPr>
+        <p:spPr>
+          <a:xfrm>
+            <a:off x="2603369" y="744718"/>
+            <a:ext cx="6985262" cy="830997"/>
+          </a:xfrm>
+          <a:prstGeom prst="rect">
+            <a:avLst/>
+          </a:prstGeom>
+          <a:noFill/>
+        </p:spPr>
+        <p:txBody>
+          <a:bodyPr wrap="square" rtlCol="0">
+            <a:spAutoFit/>
+          </a:bodyPr>
+          <a:lstStyle/>
+          <a:p>
+            <a:r>
+              <a:rPr lang="zh-CN" altLang="en-US" sz="2400" b="1" dirty="0"/>
+              <a:t>配置好</a:t>
+            </a:r>
+            <a:r>
+              <a:rPr lang="en-US" altLang="zh-CN" sz="2400" b="1" dirty="0"/>
+              <a:t>tomcat</a:t>
+            </a:r>
+            <a:r>
+              <a:rPr lang="zh-CN" altLang="en-US" sz="2400" b="1" dirty="0"/>
+              <a:t>、</a:t>
+            </a:r>
+            <a:r>
+              <a:rPr lang="en-US" altLang="zh-CN" sz="2400" b="1" dirty="0" err="1"/>
+              <a:t>jdk</a:t>
+            </a:r>
+            <a:r>
+              <a:rPr lang="zh-CN" altLang="en-US" sz="2400" b="1" dirty="0"/>
+              <a:t>、</a:t>
+            </a:r>
+            <a:r>
+              <a:rPr lang="en-US" altLang="zh-CN" sz="2400" b="1" dirty="0" err="1"/>
+              <a:t>mysql</a:t>
+            </a:r>
+            <a:r>
+              <a:rPr lang="zh-CN" altLang="en-US" sz="2400" b="1" dirty="0"/>
+              <a:t>后成功利用</a:t>
+            </a:r>
+            <a:r>
+              <a:rPr lang="en-US" altLang="zh-CN" sz="2400" b="1" dirty="0" err="1"/>
+              <a:t>ip</a:t>
+            </a:r>
+            <a:r>
+              <a:rPr lang="zh-CN" altLang="en-US" sz="2400" b="1" dirty="0"/>
+              <a:t>跳转到</a:t>
+            </a:r>
+            <a:r>
+              <a:rPr lang="en-US" altLang="zh-CN" sz="2400" b="1" dirty="0"/>
+              <a:t>Tomcat</a:t>
+            </a:r>
+            <a:r>
+              <a:rPr lang="zh-CN" altLang="en-US" sz="2400" b="1" dirty="0"/>
+              <a:t>官网</a:t>
+            </a:r>
+          </a:p>
+        </p:txBody>
+      </p:sp>
+    </p:spTree>
+    <p:extLst>
+      <p:ext uri="{BB962C8B-B14F-4D97-AF65-F5344CB8AC3E}">
+        <p14:creationId xmlns:p14="http://schemas.microsoft.com/office/powerpoint/2010/main" val="3118060513"/>
+      </p:ext>
+    </p:extLst>
+  </p:cSld>
+  <p:clrMapOvr>
+    <a:masterClrMapping/>
+  </p:clrMapOvr>
+</p:sld>
+</file>
+
+<file path=ppt/slides/slide11.xml><?xml version="1.0" encoding="utf-8"?>
+<p:sld xmlns:a="http://schemas.openxmlformats.org/drawingml/2006/main" xmlns:r="http://schemas.openxmlformats.org/officeDocument/2006/relationships" xmlns:p="http://schemas.openxmlformats.org/presentationml/2006/main">
+  <p:cSld>
+    <p:spTree>
+      <p:nvGrpSpPr>
+        <p:cNvPr id="1" name=""/>
+        <p:cNvGrpSpPr/>
+        <p:nvPr/>
+      </p:nvGrpSpPr>
+      <p:grpSpPr>
+        <a:xfrm>
+          <a:off x="0" y="0"/>
+          <a:ext cx="0" cy="0"/>
+          <a:chOff x="0" y="0"/>
+          <a:chExt cx="0" cy="0"/>
+        </a:xfrm>
+      </p:grpSpPr>
+      <p:sp>
+        <p:nvSpPr>
+          <p:cNvPr id="2" name="标题 1">
+            <a:extLst>
+              <a:ext uri="{FF2B5EF4-FFF2-40B4-BE49-F238E27FC236}">
+                <a16:creationId xmlns:a16="http://schemas.microsoft.com/office/drawing/2014/main" id="{FB9F8693-C5EF-4A2D-B98E-EBE1E24F21A3}"/>
+              </a:ext>
+            </a:extLst>
+          </p:cNvPr>
+          <p:cNvSpPr>
+            <a:spLocks noGrp="1"/>
+          </p:cNvSpPr>
+          <p:nvPr>
+            <p:ph type="ctrTitle"/>
+          </p:nvPr>
+        </p:nvSpPr>
+        <p:spPr/>
+        <p:txBody>
+          <a:bodyPr/>
+          <a:lstStyle/>
+          <a:p>
+            <a:endParaRPr lang="zh-CN" altLang="en-US"/>
+          </a:p>
+        </p:txBody>
+      </p:sp>
+      <p:sp>
+        <p:nvSpPr>
+          <p:cNvPr id="3" name="副标题 2">
+            <a:extLst>
+              <a:ext uri="{FF2B5EF4-FFF2-40B4-BE49-F238E27FC236}">
+                <a16:creationId xmlns:a16="http://schemas.microsoft.com/office/drawing/2014/main" id="{499E0A28-4BF7-49A8-B270-D021B0AF1B04}"/>
+              </a:ext>
+            </a:extLst>
+          </p:cNvPr>
+          <p:cNvSpPr>
+            <a:spLocks noGrp="1"/>
+          </p:cNvSpPr>
+          <p:nvPr>
+            <p:ph type="subTitle" idx="1"/>
+          </p:nvPr>
+        </p:nvSpPr>
+        <p:spPr/>
+        <p:txBody>
+          <a:bodyPr/>
+          <a:lstStyle/>
+          <a:p>
+            <a:endParaRPr lang="zh-CN" altLang="en-US"/>
+          </a:p>
+        </p:txBody>
+      </p:sp>
+      <p:pic>
+        <p:nvPicPr>
+          <p:cNvPr id="7" name="图片 6">
+            <a:extLst>
+              <a:ext uri="{FF2B5EF4-FFF2-40B4-BE49-F238E27FC236}">
+                <a16:creationId xmlns:a16="http://schemas.microsoft.com/office/drawing/2014/main" id="{72EA255A-848E-4B82-85C8-56556CD8B86D}"/>
+              </a:ext>
+            </a:extLst>
+          </p:cNvPr>
+          <p:cNvPicPr>
+            <a:picLocks noChangeAspect="1"/>
+          </p:cNvPicPr>
+          <p:nvPr/>
+        </p:nvPicPr>
+        <p:blipFill>
+          <a:blip r:embed="rId2"/>
+          <a:stretch>
+            <a:fillRect/>
+          </a:stretch>
+        </p:blipFill>
+        <p:spPr>
+          <a:xfrm>
+            <a:off x="0" y="491512"/>
+            <a:ext cx="12192000" cy="5874975"/>
+          </a:xfrm>
+          <a:prstGeom prst="rect">
+            <a:avLst/>
+          </a:prstGeom>
+        </p:spPr>
+      </p:pic>
+    </p:spTree>
+    <p:extLst>
+      <p:ext uri="{BB962C8B-B14F-4D97-AF65-F5344CB8AC3E}">
+        <p14:creationId xmlns:p14="http://schemas.microsoft.com/office/powerpoint/2010/main" val="1569135736"/>
+      </p:ext>
+    </p:extLst>
+  </p:cSld>
+  <p:clrMapOvr>
+    <a:masterClrMapping/>
+  </p:clrMapOvr>
+</p:sld>
+</file>
+
+<file path=ppt/slides/slide12.xml><?xml version="1.0" encoding="utf-8"?>
+<p:sld xmlns:a="http://schemas.openxmlformats.org/drawingml/2006/main" xmlns:r="http://schemas.openxmlformats.org/officeDocument/2006/relationships" xmlns:p="http://schemas.openxmlformats.org/presentationml/2006/main">
+  <p:cSld>
+    <p:spTree>
+      <p:nvGrpSpPr>
+        <p:cNvPr id="1" name=""/>
+        <p:cNvGrpSpPr/>
+        <p:nvPr/>
+      </p:nvGrpSpPr>
+      <p:grpSpPr>
+        <a:xfrm>
+          <a:off x="0" y="0"/>
+          <a:ext cx="0" cy="0"/>
+          <a:chOff x="0" y="0"/>
+          <a:chExt cx="0" cy="0"/>
+        </a:xfrm>
+      </p:grpSpPr>
+      <p:sp>
+        <p:nvSpPr>
+          <p:cNvPr id="2" name="标题 1">
+            <a:extLst>
+              <a:ext uri="{FF2B5EF4-FFF2-40B4-BE49-F238E27FC236}">
+                <a16:creationId xmlns:a16="http://schemas.microsoft.com/office/drawing/2014/main" id="{C35EE18B-628F-4022-8A46-F2DC4EA6EC37}"/>
+              </a:ext>
+            </a:extLst>
+          </p:cNvPr>
+          <p:cNvSpPr>
+            <a:spLocks noGrp="1"/>
+          </p:cNvSpPr>
+          <p:nvPr>
+            <p:ph type="title"/>
+          </p:nvPr>
+        </p:nvSpPr>
+        <p:spPr/>
+        <p:txBody>
+          <a:bodyPr/>
+          <a:lstStyle/>
+          <a:p>
+            <a:endParaRPr lang="zh-CN" altLang="en-US"/>
+          </a:p>
+        </p:txBody>
+      </p:sp>
+      <p:sp>
+        <p:nvSpPr>
+          <p:cNvPr id="3" name="内容占位符 2">
+            <a:extLst>
+              <a:ext uri="{FF2B5EF4-FFF2-40B4-BE49-F238E27FC236}">
+                <a16:creationId xmlns:a16="http://schemas.microsoft.com/office/drawing/2014/main" id="{629EC255-C9E9-4E88-AF44-62784B739FC4}"/>
+              </a:ext>
+            </a:extLst>
+          </p:cNvPr>
+          <p:cNvSpPr>
+            <a:spLocks noGrp="1"/>
+          </p:cNvSpPr>
+          <p:nvPr>
+            <p:ph idx="1"/>
+          </p:nvPr>
+        </p:nvSpPr>
+        <p:spPr/>
+        <p:txBody>
+          <a:bodyPr/>
+          <a:lstStyle/>
+          <a:p>
+            <a:endParaRPr lang="zh-CN" altLang="en-US"/>
+          </a:p>
+        </p:txBody>
+      </p:sp>
+      <p:pic>
+        <p:nvPicPr>
+          <p:cNvPr id="5" name="图片 4">
+            <a:extLst>
+              <a:ext uri="{FF2B5EF4-FFF2-40B4-BE49-F238E27FC236}">
+                <a16:creationId xmlns:a16="http://schemas.microsoft.com/office/drawing/2014/main" id="{FCD1A0C7-D6EC-471F-BD62-8BC7B2F77CB4}"/>
+              </a:ext>
+            </a:extLst>
+          </p:cNvPr>
+          <p:cNvPicPr>
+            <a:picLocks noChangeAspect="1"/>
+          </p:cNvPicPr>
+          <p:nvPr/>
+        </p:nvPicPr>
+        <p:blipFill>
+          <a:blip r:embed="rId2"/>
+          <a:stretch>
+            <a:fillRect/>
+          </a:stretch>
+        </p:blipFill>
+        <p:spPr>
+          <a:xfrm>
+            <a:off x="0" y="447744"/>
+            <a:ext cx="12192000" cy="5962511"/>
+          </a:xfrm>
+          <a:prstGeom prst="rect">
+            <a:avLst/>
+          </a:prstGeom>
+        </p:spPr>
+      </p:pic>
+    </p:spTree>
+    <p:extLst>
+      <p:ext uri="{BB962C8B-B14F-4D97-AF65-F5344CB8AC3E}">
+        <p14:creationId xmlns:p14="http://schemas.microsoft.com/office/powerpoint/2010/main" val="2322053504"/>
+      </p:ext>
+    </p:extLst>
+  </p:cSld>
+  <p:clrMapOvr>
+    <a:masterClrMapping/>
+  </p:clrMapOvr>
+</p:sld>
+</file>
+
+<file path=ppt/slides/slide13.xml><?xml version="1.0" encoding="utf-8"?>
 <p:sld xmlns:a="http://schemas.openxmlformats.org/drawingml/2006/main" xmlns:r="http://schemas.openxmlformats.org/officeDocument/2006/relationships" xmlns:p="http://schemas.openxmlformats.org/presentationml/2006/main">
   <p:cSld>
     <p:spTree>
@@ -7465,7 +7846,7 @@
 </p:sld>
 </file>
 
-<file path=ppt/slides/slide11.xml><?xml version="1.0" encoding="utf-8"?>
+<file path=ppt/slides/slide14.xml><?xml version="1.0" encoding="utf-8"?>
 <p:sld xmlns:a="http://schemas.openxmlformats.org/drawingml/2006/main" xmlns:r="http://schemas.openxmlformats.org/officeDocument/2006/relationships" xmlns:p="http://schemas.openxmlformats.org/presentationml/2006/main">
   <p:cSld>
     <p:spTree>
@@ -7575,7 +7956,7 @@
 </p:sld>
 </file>
 
-<file path=ppt/slides/slide12.xml><?xml version="1.0" encoding="utf-8"?>
+<file path=ppt/slides/slide15.xml><?xml version="1.0" encoding="utf-8"?>
 <p:sld xmlns:a="http://schemas.openxmlformats.org/drawingml/2006/main" xmlns:r="http://schemas.openxmlformats.org/officeDocument/2006/relationships" xmlns:p="http://schemas.openxmlformats.org/presentationml/2006/main">
   <p:cSld>
     <p:spTree>
@@ -7745,7 +8126,7 @@
 </p:sld>
 </file>
 
-<file path=ppt/slides/slide13.xml><?xml version="1.0" encoding="utf-8"?>
+<file path=ppt/slides/slide16.xml><?xml version="1.0" encoding="utf-8"?>
 <p:sld xmlns:a="http://schemas.openxmlformats.org/drawingml/2006/main" xmlns:r="http://schemas.openxmlformats.org/officeDocument/2006/relationships" xmlns:p="http://schemas.openxmlformats.org/presentationml/2006/main">
   <p:cSld>
     <p:spTree>
@@ -7885,7 +8266,7 @@
 </p:sld>
 </file>
 
-<file path=ppt/slides/slide14.xml><?xml version="1.0" encoding="utf-8"?>
+<file path=ppt/slides/slide17.xml><?xml version="1.0" encoding="utf-8"?>
 <p:sld xmlns:a="http://schemas.openxmlformats.org/drawingml/2006/main" xmlns:r="http://schemas.openxmlformats.org/officeDocument/2006/relationships" xmlns:p="http://schemas.openxmlformats.org/presentationml/2006/main">
   <p:cSld>
     <p:spTree>
@@ -7995,7 +8376,7 @@
 </p:sld>
 </file>
 
-<file path=ppt/slides/slide15.xml><?xml version="1.0" encoding="utf-8"?>
+<file path=ppt/slides/slide18.xml><?xml version="1.0" encoding="utf-8"?>
 <p:sld xmlns:a="http://schemas.openxmlformats.org/drawingml/2006/main" xmlns:r="http://schemas.openxmlformats.org/officeDocument/2006/relationships" xmlns:p="http://schemas.openxmlformats.org/presentationml/2006/main">
   <p:cSld>
     <p:spTree>
@@ -8105,7 +8486,7 @@
 </p:sld>
 </file>
 
-<file path=ppt/slides/slide16.xml><?xml version="1.0" encoding="utf-8"?>
+<file path=ppt/slides/slide19.xml><?xml version="1.0" encoding="utf-8"?>
 <p:sld xmlns:a="http://schemas.openxmlformats.org/drawingml/2006/main" xmlns:r="http://schemas.openxmlformats.org/officeDocument/2006/relationships" xmlns:p="http://schemas.openxmlformats.org/presentationml/2006/main">
   <p:cSld>
     <p:spTree>
@@ -8215,7 +8596,700 @@
 </p:sld>
 </file>
 
-<file path=ppt/slides/slide17.xml><?xml version="1.0" encoding="utf-8"?>
+<file path=ppt/slides/slide2.xml><?xml version="1.0" encoding="utf-8"?>
+<p:sld xmlns:a="http://schemas.openxmlformats.org/drawingml/2006/main" xmlns:r="http://schemas.openxmlformats.org/officeDocument/2006/relationships" xmlns:p="http://schemas.openxmlformats.org/presentationml/2006/main">
+  <p:cSld>
+    <p:spTree>
+      <p:nvGrpSpPr>
+        <p:cNvPr id="1" name=""/>
+        <p:cNvGrpSpPr/>
+        <p:nvPr/>
+      </p:nvGrpSpPr>
+      <p:grpSpPr>
+        <a:xfrm>
+          <a:off x="0" y="0"/>
+          <a:ext cx="0" cy="0"/>
+          <a:chOff x="0" y="0"/>
+          <a:chExt cx="0" cy="0"/>
+        </a:xfrm>
+      </p:grpSpPr>
+      <p:sp>
+        <p:nvSpPr>
+          <p:cNvPr id="4" name="文本框 3">
+            <a:extLst>
+              <a:ext uri="{FF2B5EF4-FFF2-40B4-BE49-F238E27FC236}">
+                <a16:creationId xmlns:a16="http://schemas.microsoft.com/office/drawing/2014/main" id="{5D8C6E41-87F9-4B39-87ED-8A71A56D1EDD}"/>
+              </a:ext>
+            </a:extLst>
+          </p:cNvPr>
+          <p:cNvSpPr txBox="1"/>
+          <p:nvPr/>
+        </p:nvSpPr>
+        <p:spPr>
+          <a:xfrm>
+            <a:off x="5062193" y="226492"/>
+            <a:ext cx="3431356" cy="461665"/>
+          </a:xfrm>
+          <a:prstGeom prst="rect">
+            <a:avLst/>
+          </a:prstGeom>
+          <a:noFill/>
+        </p:spPr>
+        <p:txBody>
+          <a:bodyPr wrap="square" rtlCol="0">
+            <a:spAutoFit/>
+          </a:bodyPr>
+          <a:lstStyle/>
+          <a:p>
+            <a:r>
+              <a:rPr lang="zh-CN" altLang="en-US" sz="2400" b="1" dirty="0"/>
+              <a:t>项目情况</a:t>
+            </a:r>
+          </a:p>
+        </p:txBody>
+      </p:sp>
+      <p:sp>
+        <p:nvSpPr>
+          <p:cNvPr id="5" name="文本框 4">
+            <a:extLst>
+              <a:ext uri="{FF2B5EF4-FFF2-40B4-BE49-F238E27FC236}">
+                <a16:creationId xmlns:a16="http://schemas.microsoft.com/office/drawing/2014/main" id="{E6677369-7AD3-4618-89C4-186EEF3AC2CD}"/>
+              </a:ext>
+            </a:extLst>
+          </p:cNvPr>
+          <p:cNvSpPr txBox="1"/>
+          <p:nvPr/>
+        </p:nvSpPr>
+        <p:spPr>
+          <a:xfrm>
+            <a:off x="2007909" y="688157"/>
+            <a:ext cx="8176182" cy="2831544"/>
+          </a:xfrm>
+          <a:prstGeom prst="rect">
+            <a:avLst/>
+          </a:prstGeom>
+          <a:noFill/>
+        </p:spPr>
+        <p:txBody>
+          <a:bodyPr wrap="square" rtlCol="0">
+            <a:spAutoFit/>
+          </a:bodyPr>
+          <a:lstStyle/>
+          <a:p>
+            <a:r>
+              <a:rPr lang="zh-CN" altLang="en-US" sz="2000" dirty="0"/>
+              <a:t>使用工具：</a:t>
+            </a:r>
+            <a:endParaRPr lang="en-US" altLang="zh-CN" sz="2000" dirty="0"/>
+          </a:p>
+          <a:p>
+            <a:r>
+              <a:rPr lang="en-US" altLang="zh-CN" sz="2000" dirty="0" err="1"/>
+              <a:t>Myeclipse</a:t>
+            </a:r>
+            <a:r>
+              <a:rPr lang="en-US" altLang="zh-CN" sz="2000" dirty="0"/>
+              <a:t> </a:t>
+            </a:r>
+            <a:r>
+              <a:rPr lang="en-US" altLang="zh-CN" sz="2000" dirty="0" err="1"/>
+              <a:t>JavaEE</a:t>
+            </a:r>
+            <a:r>
+              <a:rPr lang="zh-CN" altLang="en-US" sz="2000" dirty="0"/>
+              <a:t>：用来写</a:t>
+            </a:r>
+            <a:r>
+              <a:rPr lang="en-US" altLang="zh-CN" sz="2000" dirty="0"/>
+              <a:t>JAVA</a:t>
+            </a:r>
+            <a:r>
+              <a:rPr lang="zh-CN" altLang="en-US" sz="2000" dirty="0"/>
+              <a:t>和</a:t>
+            </a:r>
+            <a:r>
+              <a:rPr lang="en-US" altLang="zh-CN" sz="2000" dirty="0"/>
+              <a:t>JSP</a:t>
+            </a:r>
+            <a:r>
+              <a:rPr lang="zh-CN" altLang="en-US" sz="2000" dirty="0"/>
+              <a:t>代码</a:t>
+            </a:r>
+            <a:r>
+              <a:rPr lang="en-US" altLang="zh-CN" sz="2000" dirty="0"/>
+              <a:t>.</a:t>
+            </a:r>
+          </a:p>
+          <a:p>
+            <a:r>
+              <a:rPr lang="zh-CN" altLang="en-US" sz="2000" dirty="0"/>
+              <a:t> </a:t>
+            </a:r>
+            <a:r>
+              <a:rPr lang="en-US" altLang="zh-CN" sz="2000" dirty="0" err="1"/>
+              <a:t>Xshell</a:t>
+            </a:r>
+            <a:r>
+              <a:rPr lang="zh-CN" altLang="en-US" sz="2000" dirty="0"/>
+              <a:t>：连接虚拟机（</a:t>
+            </a:r>
+            <a:r>
+              <a:rPr lang="en-US" altLang="zh-CN" sz="2000" dirty="0"/>
+              <a:t>CentOS</a:t>
+            </a:r>
+            <a:r>
+              <a:rPr lang="zh-CN" altLang="en-US" sz="2000" dirty="0"/>
+              <a:t>）、利用此工具在虚拟机上下载</a:t>
+            </a:r>
+            <a:r>
+              <a:rPr lang="en-US" altLang="zh-CN" sz="2000" dirty="0"/>
+              <a:t>Tomcat</a:t>
+            </a:r>
+            <a:r>
+              <a:rPr lang="zh-CN" altLang="en-US" sz="2000" dirty="0"/>
+              <a:t>（</a:t>
+            </a:r>
+            <a:r>
+              <a:rPr lang="en-US" altLang="zh-CN" sz="2000" dirty="0"/>
+              <a:t>7.0.93</a:t>
+            </a:r>
+            <a:r>
+              <a:rPr lang="zh-CN" altLang="en-US" sz="2000" dirty="0"/>
+              <a:t>）、配置</a:t>
+            </a:r>
+            <a:r>
+              <a:rPr lang="en-US" altLang="zh-CN" sz="2000" dirty="0"/>
+              <a:t>JDK</a:t>
+            </a:r>
+            <a:r>
+              <a:rPr lang="zh-CN" altLang="en-US" sz="2000" dirty="0"/>
+              <a:t>（</a:t>
+            </a:r>
+            <a:r>
+              <a:rPr lang="en-US" altLang="zh-CN" sz="2000" dirty="0"/>
+              <a:t>1.8.151</a:t>
+            </a:r>
+            <a:r>
+              <a:rPr lang="zh-CN" altLang="en-US" sz="2000" dirty="0"/>
+              <a:t>）、安装</a:t>
+            </a:r>
+            <a:r>
+              <a:rPr lang="en-US" altLang="zh-CN" sz="2000" dirty="0" err="1"/>
+              <a:t>Mysql</a:t>
+            </a:r>
+            <a:r>
+              <a:rPr lang="zh-CN" altLang="en-US" sz="2000" dirty="0"/>
+              <a:t>、传送最终的</a:t>
+            </a:r>
+            <a:r>
+              <a:rPr lang="en-US" altLang="zh-CN" sz="2000" dirty="0"/>
+              <a:t>war</a:t>
+            </a:r>
+            <a:r>
+              <a:rPr lang="zh-CN" altLang="en-US" sz="2000" dirty="0"/>
+              <a:t>包</a:t>
+            </a:r>
+            <a:r>
+              <a:rPr lang="en-US" altLang="zh-CN" sz="2000" dirty="0"/>
+              <a:t>.</a:t>
+            </a:r>
+          </a:p>
+          <a:p>
+            <a:r>
+              <a:rPr lang="zh-CN" altLang="en-US" sz="2000" dirty="0"/>
+              <a:t> </a:t>
+            </a:r>
+            <a:r>
+              <a:rPr lang="en-US" altLang="zh-CN" sz="2000" dirty="0" err="1"/>
+              <a:t>Xftp</a:t>
+            </a:r>
+            <a:r>
+              <a:rPr lang="zh-CN" altLang="en-US" sz="2000" dirty="0"/>
+              <a:t>：传输文件（</a:t>
+            </a:r>
+            <a:r>
+              <a:rPr lang="en-US" altLang="zh-CN" sz="2000" dirty="0"/>
+              <a:t>Tomcat</a:t>
+            </a:r>
+            <a:r>
+              <a:rPr lang="zh-CN" altLang="en-US" sz="2000" dirty="0"/>
+              <a:t>、</a:t>
+            </a:r>
+            <a:r>
+              <a:rPr lang="en-US" altLang="zh-CN" sz="2000" dirty="0"/>
+              <a:t>JDK</a:t>
+            </a:r>
+            <a:r>
+              <a:rPr lang="zh-CN" altLang="en-US" sz="2000" dirty="0"/>
+              <a:t>等</a:t>
+            </a:r>
+            <a:r>
+              <a:rPr lang="en-US" altLang="zh-CN" sz="2000" dirty="0" err="1"/>
+              <a:t>linux</a:t>
+            </a:r>
+            <a:r>
+              <a:rPr lang="zh-CN" altLang="en-US" sz="2000" dirty="0"/>
+              <a:t>文件）到虚拟机</a:t>
+            </a:r>
+            <a:r>
+              <a:rPr lang="en-US" altLang="zh-CN" sz="2000" dirty="0"/>
+              <a:t>.</a:t>
+            </a:r>
+          </a:p>
+          <a:p>
+            <a:r>
+              <a:rPr lang="en-US" altLang="zh-CN" sz="2000" dirty="0"/>
+              <a:t> </a:t>
+            </a:r>
+            <a:r>
+              <a:rPr lang="en-US" altLang="zh-CN" sz="2000" dirty="0" err="1"/>
+              <a:t>Navicat</a:t>
+            </a:r>
+            <a:r>
+              <a:rPr lang="zh-CN" altLang="en-US" sz="2000" dirty="0"/>
+              <a:t>：连接数据库</a:t>
+            </a:r>
+            <a:r>
+              <a:rPr lang="en-US" altLang="zh-CN" sz="2000" dirty="0"/>
+              <a:t>.</a:t>
+            </a:r>
+          </a:p>
+          <a:p>
+            <a:r>
+              <a:rPr lang="en-US" altLang="zh-CN" sz="2000" dirty="0"/>
+              <a:t>Tomcat7.0.93</a:t>
+            </a:r>
+            <a:r>
+              <a:rPr lang="zh-CN" altLang="en-US" sz="2000" dirty="0"/>
+              <a:t>：配置服务器环境</a:t>
+            </a:r>
+            <a:r>
+              <a:rPr lang="en-US" altLang="zh-CN" sz="2000" dirty="0"/>
+              <a:t>.</a:t>
+            </a:r>
+          </a:p>
+          <a:p>
+            <a:r>
+              <a:rPr lang="en-US" altLang="zh-CN" sz="2000" dirty="0"/>
+              <a:t>Mysql5.5.20</a:t>
+            </a:r>
+          </a:p>
+          <a:p>
+            <a:endParaRPr lang="zh-CN" altLang="en-US" dirty="0"/>
+          </a:p>
+        </p:txBody>
+      </p:sp>
+      <p:sp>
+        <p:nvSpPr>
+          <p:cNvPr id="6" name="文本框 5">
+            <a:extLst>
+              <a:ext uri="{FF2B5EF4-FFF2-40B4-BE49-F238E27FC236}">
+                <a16:creationId xmlns:a16="http://schemas.microsoft.com/office/drawing/2014/main" id="{380658E7-1DE5-411C-92F5-341F9C9FBD53}"/>
+              </a:ext>
+            </a:extLst>
+          </p:cNvPr>
+          <p:cNvSpPr txBox="1"/>
+          <p:nvPr/>
+        </p:nvSpPr>
+        <p:spPr>
+          <a:xfrm>
+            <a:off x="1904213" y="3218410"/>
+            <a:ext cx="7861955" cy="4893647"/>
+          </a:xfrm>
+          <a:prstGeom prst="rect">
+            <a:avLst/>
+          </a:prstGeom>
+          <a:noFill/>
+        </p:spPr>
+        <p:txBody>
+          <a:bodyPr wrap="square" rtlCol="0">
+            <a:spAutoFit/>
+          </a:bodyPr>
+          <a:lstStyle/>
+          <a:p>
+            <a:r>
+              <a:rPr lang="zh-CN" altLang="en-US" sz="2400" b="1" dirty="0"/>
+              <a:t>小组分工：</a:t>
+            </a:r>
+            <a:endParaRPr lang="en-US" altLang="zh-CN" sz="2400" b="1" dirty="0"/>
+          </a:p>
+          <a:p>
+            <a:r>
+              <a:rPr lang="en-US" altLang="zh-CN" dirty="0"/>
+              <a:t>      </a:t>
+            </a:r>
+            <a:r>
+              <a:rPr lang="zh-CN" altLang="en-US" dirty="0"/>
+              <a:t>谢浩：与李茂秋一同进行进行</a:t>
+            </a:r>
+            <a:r>
+              <a:rPr lang="en-US" altLang="zh-CN" dirty="0"/>
+              <a:t>java</a:t>
+            </a:r>
+            <a:r>
+              <a:rPr lang="zh-CN" altLang="en-US" dirty="0"/>
+              <a:t>代码和</a:t>
+            </a:r>
+            <a:r>
+              <a:rPr lang="en-US" altLang="zh-CN" dirty="0" err="1"/>
+              <a:t>jsp</a:t>
+            </a:r>
+            <a:r>
+              <a:rPr lang="zh-CN" altLang="en-US" dirty="0"/>
+              <a:t>代码的编写。</a:t>
+            </a:r>
+            <a:endParaRPr lang="en-US" altLang="zh-CN" dirty="0"/>
+          </a:p>
+          <a:p>
+            <a:r>
+              <a:rPr lang="en-US" altLang="zh-CN" dirty="0"/>
+              <a:t>                 </a:t>
+            </a:r>
+            <a:r>
+              <a:rPr lang="zh-CN" altLang="en-US" dirty="0"/>
+              <a:t>编写</a:t>
+            </a:r>
+            <a:r>
+              <a:rPr lang="en-US" altLang="zh-CN" dirty="0"/>
+              <a:t>SQL</a:t>
+            </a:r>
+            <a:r>
+              <a:rPr lang="zh-CN" altLang="en-US" dirty="0"/>
+              <a:t>文件脚本、连接</a:t>
+            </a:r>
+            <a:r>
+              <a:rPr lang="en-US" altLang="zh-CN" dirty="0" err="1"/>
+              <a:t>Navicat</a:t>
+            </a:r>
+            <a:r>
+              <a:rPr lang="zh-CN" altLang="en-US" dirty="0"/>
+              <a:t>进行数据库的测试。</a:t>
+            </a:r>
+            <a:endParaRPr lang="en-US" altLang="zh-CN" dirty="0"/>
+          </a:p>
+          <a:p>
+            <a:r>
+              <a:rPr lang="en-US" altLang="zh-CN" dirty="0"/>
+              <a:t>                 </a:t>
+            </a:r>
+            <a:r>
+              <a:rPr lang="zh-CN" altLang="en-US" dirty="0"/>
+              <a:t>将网页连接</a:t>
+            </a:r>
+            <a:r>
+              <a:rPr lang="en-US" altLang="zh-CN" dirty="0"/>
+              <a:t>CentOS</a:t>
+            </a:r>
+            <a:r>
+              <a:rPr lang="zh-CN" altLang="en-US" dirty="0"/>
+              <a:t>服务器：利用</a:t>
+            </a:r>
+            <a:r>
+              <a:rPr lang="en-US" altLang="zh-CN" dirty="0" err="1"/>
+              <a:t>Xftp</a:t>
+            </a:r>
+            <a:r>
+              <a:rPr lang="zh-CN" altLang="en-US" dirty="0"/>
+              <a:t>向服务器上传输各种所需的 </a:t>
+            </a:r>
+            <a:r>
+              <a:rPr lang="en-US" altLang="zh-CN" dirty="0"/>
+              <a:t>	          </a:t>
+            </a:r>
+            <a:r>
+              <a:rPr lang="en-US" altLang="zh-CN" dirty="0" err="1"/>
+              <a:t>Mysql</a:t>
+            </a:r>
+            <a:r>
+              <a:rPr lang="zh-CN" altLang="en-US" dirty="0"/>
+              <a:t>、</a:t>
+            </a:r>
+            <a:r>
+              <a:rPr lang="en-US" altLang="zh-CN" dirty="0"/>
+              <a:t>Tomcat</a:t>
+            </a:r>
+            <a:r>
+              <a:rPr lang="zh-CN" altLang="en-US" dirty="0"/>
+              <a:t>、</a:t>
+            </a:r>
+            <a:r>
+              <a:rPr lang="en-US" altLang="zh-CN" dirty="0"/>
+              <a:t>JDK</a:t>
+            </a:r>
+            <a:r>
+              <a:rPr lang="zh-CN" altLang="en-US" dirty="0"/>
+              <a:t>（</a:t>
+            </a:r>
+            <a:r>
+              <a:rPr lang="en-US" altLang="zh-CN" dirty="0" err="1"/>
+              <a:t>linux</a:t>
+            </a:r>
+            <a:r>
+              <a:rPr lang="zh-CN" altLang="en-US" dirty="0"/>
+              <a:t>版本）下载包、利用</a:t>
+            </a:r>
+            <a:r>
+              <a:rPr lang="en-US" altLang="zh-CN" dirty="0" err="1"/>
+              <a:t>Xshell</a:t>
+            </a:r>
+            <a:r>
+              <a:rPr lang="zh-CN" altLang="en-US" dirty="0"/>
+              <a:t>在</a:t>
+            </a:r>
+            <a:r>
+              <a:rPr lang="en-US" altLang="zh-CN" dirty="0"/>
+              <a:t>CentOS</a:t>
+            </a:r>
+            <a:r>
+              <a:rPr lang="zh-CN" altLang="en-US" dirty="0"/>
+              <a:t>上  </a:t>
+            </a:r>
+            <a:r>
+              <a:rPr lang="en-US" altLang="zh-CN" dirty="0"/>
+              <a:t>	 	   </a:t>
+            </a:r>
+            <a:r>
+              <a:rPr lang="zh-CN" altLang="en-US" dirty="0"/>
+              <a:t>安装各种所需的</a:t>
+            </a:r>
+            <a:r>
+              <a:rPr lang="en-US" altLang="zh-CN" dirty="0" err="1"/>
+              <a:t>mysql</a:t>
+            </a:r>
+            <a:r>
+              <a:rPr lang="zh-CN" altLang="en-US" dirty="0"/>
+              <a:t>、</a:t>
+            </a:r>
+            <a:r>
+              <a:rPr lang="en-US" altLang="zh-CN" dirty="0"/>
+              <a:t>tomcat</a:t>
+            </a:r>
+            <a:r>
+              <a:rPr lang="zh-CN" altLang="en-US" dirty="0"/>
+              <a:t>、</a:t>
+            </a:r>
+            <a:r>
+              <a:rPr lang="en-US" altLang="zh-CN" dirty="0" err="1"/>
+              <a:t>jdk</a:t>
+            </a:r>
+            <a:r>
+              <a:rPr lang="zh-CN" altLang="en-US" dirty="0"/>
+              <a:t>等文件并配置环境、上传</a:t>
+            </a:r>
+            <a:r>
+              <a:rPr lang="en-US" altLang="zh-CN" dirty="0"/>
+              <a:t>war</a:t>
+            </a:r>
+          </a:p>
+          <a:p>
+            <a:r>
+              <a:rPr lang="en-US" altLang="zh-CN" dirty="0"/>
+              <a:t>                 </a:t>
+            </a:r>
+            <a:r>
+              <a:rPr lang="zh-CN" altLang="en-US" dirty="0"/>
+              <a:t>包并解析。</a:t>
+            </a:r>
+            <a:endParaRPr lang="en-US" altLang="zh-CN" dirty="0"/>
+          </a:p>
+          <a:p>
+            <a:r>
+              <a:rPr lang="en-US" altLang="zh-CN" dirty="0"/>
+              <a:t>       </a:t>
+            </a:r>
+            <a:r>
+              <a:rPr lang="zh-CN" altLang="en-US" dirty="0"/>
+              <a:t>李茂秋</a:t>
+            </a:r>
+            <a:r>
+              <a:rPr lang="en-US" altLang="zh-CN" dirty="0"/>
+              <a:t>:</a:t>
+            </a:r>
+            <a:r>
+              <a:rPr lang="zh-CN" altLang="en-US" dirty="0"/>
+              <a:t>与谢浩一同进行</a:t>
+            </a:r>
+            <a:r>
+              <a:rPr lang="en-US" altLang="zh-CN" dirty="0"/>
+              <a:t>java</a:t>
+            </a:r>
+            <a:r>
+              <a:rPr lang="zh-CN" altLang="en-US" dirty="0"/>
+              <a:t>代码和</a:t>
+            </a:r>
+            <a:r>
+              <a:rPr lang="en-US" altLang="zh-CN" dirty="0" err="1"/>
+              <a:t>jsp</a:t>
+            </a:r>
+            <a:r>
+              <a:rPr lang="zh-CN" altLang="en-US" dirty="0"/>
+              <a:t>代码的编写。</a:t>
+            </a:r>
+            <a:endParaRPr lang="en-US" altLang="zh-CN" dirty="0"/>
+          </a:p>
+          <a:p>
+            <a:r>
+              <a:rPr lang="en-US" altLang="zh-CN" dirty="0"/>
+              <a:t>                 </a:t>
+            </a:r>
+            <a:r>
+              <a:rPr lang="zh-CN" altLang="en-US" dirty="0"/>
+              <a:t>利用</a:t>
+            </a:r>
+            <a:r>
+              <a:rPr lang="en-US" altLang="zh-CN" dirty="0"/>
+              <a:t>tomcat</a:t>
+            </a:r>
+            <a:r>
+              <a:rPr lang="zh-CN" altLang="en-US" dirty="0"/>
+              <a:t>本地服务器连接</a:t>
+            </a:r>
+            <a:r>
+              <a:rPr lang="en-US" altLang="zh-CN" dirty="0"/>
+              <a:t>localhost</a:t>
+            </a:r>
+            <a:r>
+              <a:rPr lang="zh-CN" altLang="en-US" dirty="0"/>
+              <a:t>：</a:t>
+            </a:r>
+            <a:r>
+              <a:rPr lang="en-US" altLang="zh-CN" dirty="0"/>
+              <a:t>8080</a:t>
+            </a:r>
+            <a:r>
+              <a:rPr lang="zh-CN" altLang="en-US" dirty="0"/>
+              <a:t>进行网页的测试</a:t>
+            </a:r>
+            <a:r>
+              <a:rPr lang="en-US" altLang="zh-CN" dirty="0"/>
+              <a:t>.</a:t>
+            </a:r>
+          </a:p>
+          <a:p>
+            <a:r>
+              <a:rPr lang="en-US" altLang="zh-CN" dirty="0"/>
+              <a:t>                 </a:t>
+            </a:r>
+            <a:r>
+              <a:rPr lang="zh-CN" altLang="en-US" dirty="0"/>
+              <a:t>连接好服务器后，对网站进行最终的测试，寻找网页是否存在一</a:t>
+            </a:r>
+            <a:r>
+              <a:rPr lang="en-US" altLang="zh-CN" dirty="0"/>
+              <a:t>	         </a:t>
+            </a:r>
+            <a:r>
+              <a:rPr lang="zh-CN" altLang="en-US" dirty="0"/>
+              <a:t>些问题以便后来进行进一步的修改。</a:t>
+            </a:r>
+            <a:endParaRPr lang="en-US" altLang="zh-CN" dirty="0"/>
+          </a:p>
+          <a:p>
+            <a:r>
+              <a:rPr lang="en-US" altLang="zh-CN" dirty="0"/>
+              <a:t>              </a:t>
+            </a:r>
+          </a:p>
+          <a:p>
+            <a:r>
+              <a:rPr lang="en-US" altLang="zh-CN" dirty="0"/>
+              <a:t>        </a:t>
+            </a:r>
+            <a:r>
+              <a:rPr lang="zh-CN" altLang="en-US" dirty="0"/>
+              <a:t>代码行数：</a:t>
+            </a:r>
+            <a:r>
+              <a:rPr lang="en-US" altLang="zh-CN" dirty="0"/>
+              <a:t>2267</a:t>
+            </a:r>
+            <a:r>
+              <a:rPr lang="zh-CN" altLang="en-US" dirty="0"/>
+              <a:t>（</a:t>
+            </a:r>
+            <a:r>
+              <a:rPr lang="en-US" altLang="zh-CN" dirty="0"/>
+              <a:t>JAVA</a:t>
+            </a:r>
+            <a:r>
+              <a:rPr lang="zh-CN" altLang="en-US" dirty="0"/>
+              <a:t>）  </a:t>
+            </a:r>
+            <a:r>
+              <a:rPr lang="en-US" altLang="zh-CN" dirty="0"/>
+              <a:t>1749</a:t>
+            </a:r>
+            <a:r>
+              <a:rPr lang="zh-CN" altLang="en-US" dirty="0"/>
+              <a:t>（</a:t>
+            </a:r>
+            <a:r>
+              <a:rPr lang="en-US" altLang="zh-CN" dirty="0"/>
+              <a:t>JSP</a:t>
+            </a:r>
+            <a:r>
+              <a:rPr lang="zh-CN" altLang="en-US" dirty="0"/>
+              <a:t>） </a:t>
+            </a:r>
+            <a:r>
+              <a:rPr lang="en-US" altLang="zh-CN" dirty="0"/>
+              <a:t>200</a:t>
+            </a:r>
+            <a:r>
+              <a:rPr lang="zh-CN" altLang="en-US" dirty="0"/>
+              <a:t>（</a:t>
+            </a:r>
+            <a:r>
+              <a:rPr lang="en-US" altLang="zh-CN" dirty="0"/>
+              <a:t>SQL</a:t>
+            </a:r>
+            <a:r>
+              <a:rPr lang="zh-CN" altLang="en-US" dirty="0"/>
+              <a:t>）</a:t>
+            </a:r>
+            <a:endParaRPr lang="en-US" altLang="zh-CN" dirty="0"/>
+          </a:p>
+          <a:p>
+            <a:r>
+              <a:rPr lang="en-US" altLang="zh-CN" dirty="0"/>
+              <a:t>                  </a:t>
+            </a:r>
+          </a:p>
+          <a:p>
+            <a:r>
+              <a:rPr lang="en-US" altLang="zh-CN" dirty="0"/>
+              <a:t>                  </a:t>
+            </a:r>
+          </a:p>
+          <a:p>
+            <a:r>
+              <a:rPr lang="en-US" altLang="zh-CN" dirty="0"/>
+              <a:t>                  </a:t>
+            </a:r>
+          </a:p>
+          <a:p>
+            <a:r>
+              <a:rPr lang="en-US" altLang="zh-CN" dirty="0"/>
+              <a:t>                   </a:t>
+            </a:r>
+            <a:endParaRPr lang="zh-CN" altLang="en-US" dirty="0"/>
+          </a:p>
+        </p:txBody>
+      </p:sp>
+    </p:spTree>
+    <p:extLst>
+      <p:ext uri="{BB962C8B-B14F-4D97-AF65-F5344CB8AC3E}">
+        <p14:creationId xmlns:p14="http://schemas.microsoft.com/office/powerpoint/2010/main" val="4140145106"/>
+      </p:ext>
+    </p:extLst>
+  </p:cSld>
+  <p:clrMapOvr>
+    <a:masterClrMapping/>
+  </p:clrMapOvr>
+</p:sld>
+</file>
+
+<file path=ppt/slides/slide20.xml><?xml version="1.0" encoding="utf-8"?>
 <p:sld xmlns:a="http://schemas.openxmlformats.org/drawingml/2006/main" xmlns:r="http://schemas.openxmlformats.org/officeDocument/2006/relationships" xmlns:p="http://schemas.openxmlformats.org/presentationml/2006/main">
   <p:cSld>
     <p:spTree>
@@ -8325,7 +9399,7 @@
 </p:sld>
 </file>
 
-<file path=ppt/slides/slide18.xml><?xml version="1.0" encoding="utf-8"?>
+<file path=ppt/slides/slide21.xml><?xml version="1.0" encoding="utf-8"?>
 <p:sld xmlns:a="http://schemas.openxmlformats.org/drawingml/2006/main" xmlns:r="http://schemas.openxmlformats.org/officeDocument/2006/relationships" xmlns:p="http://schemas.openxmlformats.org/presentationml/2006/main">
   <p:cSld>
     <p:spTree>
@@ -8435,7 +9509,7 @@
 </p:sld>
 </file>
 
-<file path=ppt/slides/slide19.xml><?xml version="1.0" encoding="utf-8"?>
+<file path=ppt/slides/slide22.xml><?xml version="1.0" encoding="utf-8"?>
 <p:sld xmlns:a="http://schemas.openxmlformats.org/drawingml/2006/main" xmlns:r="http://schemas.openxmlformats.org/officeDocument/2006/relationships" xmlns:p="http://schemas.openxmlformats.org/presentationml/2006/main">
   <p:cSld>
     <p:spTree>
@@ -8545,668 +9619,7 @@
 </p:sld>
 </file>
 
-<file path=ppt/slides/slide2.xml><?xml version="1.0" encoding="utf-8"?>
-<p:sld xmlns:a="http://schemas.openxmlformats.org/drawingml/2006/main" xmlns:r="http://schemas.openxmlformats.org/officeDocument/2006/relationships" xmlns:p="http://schemas.openxmlformats.org/presentationml/2006/main">
-  <p:cSld>
-    <p:spTree>
-      <p:nvGrpSpPr>
-        <p:cNvPr id="1" name=""/>
-        <p:cNvGrpSpPr/>
-        <p:nvPr/>
-      </p:nvGrpSpPr>
-      <p:grpSpPr>
-        <a:xfrm>
-          <a:off x="0" y="0"/>
-          <a:ext cx="0" cy="0"/>
-          <a:chOff x="0" y="0"/>
-          <a:chExt cx="0" cy="0"/>
-        </a:xfrm>
-      </p:grpSpPr>
-      <p:sp>
-        <p:nvSpPr>
-          <p:cNvPr id="4" name="文本框 3">
-            <a:extLst>
-              <a:ext uri="{FF2B5EF4-FFF2-40B4-BE49-F238E27FC236}">
-                <a16:creationId xmlns:a16="http://schemas.microsoft.com/office/drawing/2014/main" id="{5D8C6E41-87F9-4B39-87ED-8A71A56D1EDD}"/>
-              </a:ext>
-            </a:extLst>
-          </p:cNvPr>
-          <p:cNvSpPr txBox="1"/>
-          <p:nvPr/>
-        </p:nvSpPr>
-        <p:spPr>
-          <a:xfrm>
-            <a:off x="5062193" y="226492"/>
-            <a:ext cx="3431356" cy="461665"/>
-          </a:xfrm>
-          <a:prstGeom prst="rect">
-            <a:avLst/>
-          </a:prstGeom>
-          <a:noFill/>
-        </p:spPr>
-        <p:txBody>
-          <a:bodyPr wrap="square" rtlCol="0">
-            <a:spAutoFit/>
-          </a:bodyPr>
-          <a:lstStyle/>
-          <a:p>
-            <a:r>
-              <a:rPr lang="zh-CN" altLang="en-US" sz="2400" b="1" dirty="0"/>
-              <a:t>项目情况</a:t>
-            </a:r>
-          </a:p>
-        </p:txBody>
-      </p:sp>
-      <p:sp>
-        <p:nvSpPr>
-          <p:cNvPr id="5" name="文本框 4">
-            <a:extLst>
-              <a:ext uri="{FF2B5EF4-FFF2-40B4-BE49-F238E27FC236}">
-                <a16:creationId xmlns:a16="http://schemas.microsoft.com/office/drawing/2014/main" id="{E6677369-7AD3-4618-89C4-186EEF3AC2CD}"/>
-              </a:ext>
-            </a:extLst>
-          </p:cNvPr>
-          <p:cNvSpPr txBox="1"/>
-          <p:nvPr/>
-        </p:nvSpPr>
-        <p:spPr>
-          <a:xfrm>
-            <a:off x="2007909" y="688157"/>
-            <a:ext cx="8176182" cy="2831544"/>
-          </a:xfrm>
-          <a:prstGeom prst="rect">
-            <a:avLst/>
-          </a:prstGeom>
-          <a:noFill/>
-        </p:spPr>
-        <p:txBody>
-          <a:bodyPr wrap="square" rtlCol="0">
-            <a:spAutoFit/>
-          </a:bodyPr>
-          <a:lstStyle/>
-          <a:p>
-            <a:r>
-              <a:rPr lang="zh-CN" altLang="en-US" sz="2000" dirty="0"/>
-              <a:t>使用工具：</a:t>
-            </a:r>
-            <a:endParaRPr lang="en-US" altLang="zh-CN" sz="2000" dirty="0"/>
-          </a:p>
-          <a:p>
-            <a:r>
-              <a:rPr lang="en-US" altLang="zh-CN" sz="2000" dirty="0" err="1"/>
-              <a:t>Myeclipse</a:t>
-            </a:r>
-            <a:r>
-              <a:rPr lang="en-US" altLang="zh-CN" sz="2000" dirty="0"/>
-              <a:t> </a:t>
-            </a:r>
-            <a:r>
-              <a:rPr lang="en-US" altLang="zh-CN" sz="2000" dirty="0" err="1"/>
-              <a:t>JavaEE</a:t>
-            </a:r>
-            <a:r>
-              <a:rPr lang="zh-CN" altLang="en-US" sz="2000" dirty="0"/>
-              <a:t>：用来写</a:t>
-            </a:r>
-            <a:r>
-              <a:rPr lang="en-US" altLang="zh-CN" sz="2000" dirty="0"/>
-              <a:t>JAVA</a:t>
-            </a:r>
-            <a:r>
-              <a:rPr lang="zh-CN" altLang="en-US" sz="2000" dirty="0"/>
-              <a:t>和</a:t>
-            </a:r>
-            <a:r>
-              <a:rPr lang="en-US" altLang="zh-CN" sz="2000" dirty="0"/>
-              <a:t>JSP</a:t>
-            </a:r>
-            <a:r>
-              <a:rPr lang="zh-CN" altLang="en-US" sz="2000" dirty="0"/>
-              <a:t>代码</a:t>
-            </a:r>
-            <a:r>
-              <a:rPr lang="en-US" altLang="zh-CN" sz="2000" dirty="0"/>
-              <a:t>.</a:t>
-            </a:r>
-          </a:p>
-          <a:p>
-            <a:r>
-              <a:rPr lang="zh-CN" altLang="en-US" sz="2000" dirty="0"/>
-              <a:t> </a:t>
-            </a:r>
-            <a:r>
-              <a:rPr lang="en-US" altLang="zh-CN" sz="2000" dirty="0" err="1"/>
-              <a:t>Xshell</a:t>
-            </a:r>
-            <a:r>
-              <a:rPr lang="zh-CN" altLang="en-US" sz="2000" dirty="0"/>
-              <a:t>：连接虚拟机（</a:t>
-            </a:r>
-            <a:r>
-              <a:rPr lang="en-US" altLang="zh-CN" sz="2000" dirty="0"/>
-              <a:t>CentOS</a:t>
-            </a:r>
-            <a:r>
-              <a:rPr lang="zh-CN" altLang="en-US" sz="2000" dirty="0"/>
-              <a:t>）、利用此工具在虚拟机上下载</a:t>
-            </a:r>
-            <a:r>
-              <a:rPr lang="en-US" altLang="zh-CN" sz="2000" dirty="0"/>
-              <a:t>Tomcat</a:t>
-            </a:r>
-            <a:r>
-              <a:rPr lang="zh-CN" altLang="en-US" sz="2000" dirty="0"/>
-              <a:t>（</a:t>
-            </a:r>
-            <a:r>
-              <a:rPr lang="en-US" altLang="zh-CN" sz="2000" dirty="0"/>
-              <a:t>7.0.93</a:t>
-            </a:r>
-            <a:r>
-              <a:rPr lang="zh-CN" altLang="en-US" sz="2000" dirty="0"/>
-              <a:t>）、配置</a:t>
-            </a:r>
-            <a:r>
-              <a:rPr lang="en-US" altLang="zh-CN" sz="2000" dirty="0"/>
-              <a:t>JDK</a:t>
-            </a:r>
-            <a:r>
-              <a:rPr lang="zh-CN" altLang="en-US" sz="2000" dirty="0"/>
-              <a:t>（</a:t>
-            </a:r>
-            <a:r>
-              <a:rPr lang="en-US" altLang="zh-CN" sz="2000" dirty="0"/>
-              <a:t>1.8.151</a:t>
-            </a:r>
-            <a:r>
-              <a:rPr lang="zh-CN" altLang="en-US" sz="2000" dirty="0"/>
-              <a:t>）、安装</a:t>
-            </a:r>
-            <a:r>
-              <a:rPr lang="en-US" altLang="zh-CN" sz="2000" dirty="0" err="1"/>
-              <a:t>Mysql</a:t>
-            </a:r>
-            <a:r>
-              <a:rPr lang="zh-CN" altLang="en-US" sz="2000" dirty="0"/>
-              <a:t>、传送最终的</a:t>
-            </a:r>
-            <a:r>
-              <a:rPr lang="en-US" altLang="zh-CN" sz="2000" dirty="0"/>
-              <a:t>war</a:t>
-            </a:r>
-            <a:r>
-              <a:rPr lang="zh-CN" altLang="en-US" sz="2000" dirty="0"/>
-              <a:t>包</a:t>
-            </a:r>
-            <a:r>
-              <a:rPr lang="en-US" altLang="zh-CN" sz="2000" dirty="0"/>
-              <a:t>.</a:t>
-            </a:r>
-          </a:p>
-          <a:p>
-            <a:r>
-              <a:rPr lang="zh-CN" altLang="en-US" sz="2000" dirty="0"/>
-              <a:t> </a:t>
-            </a:r>
-            <a:r>
-              <a:rPr lang="en-US" altLang="zh-CN" sz="2000" dirty="0" err="1"/>
-              <a:t>Xftp</a:t>
-            </a:r>
-            <a:r>
-              <a:rPr lang="zh-CN" altLang="en-US" sz="2000" dirty="0"/>
-              <a:t>：传输文件（</a:t>
-            </a:r>
-            <a:r>
-              <a:rPr lang="en-US" altLang="zh-CN" sz="2000" dirty="0"/>
-              <a:t>Tomcat</a:t>
-            </a:r>
-            <a:r>
-              <a:rPr lang="zh-CN" altLang="en-US" sz="2000" dirty="0"/>
-              <a:t>、</a:t>
-            </a:r>
-            <a:r>
-              <a:rPr lang="en-US" altLang="zh-CN" sz="2000" dirty="0"/>
-              <a:t>JDK</a:t>
-            </a:r>
-            <a:r>
-              <a:rPr lang="zh-CN" altLang="en-US" sz="2000" dirty="0"/>
-              <a:t>等</a:t>
-            </a:r>
-            <a:r>
-              <a:rPr lang="en-US" altLang="zh-CN" sz="2000" dirty="0" err="1"/>
-              <a:t>linux</a:t>
-            </a:r>
-            <a:r>
-              <a:rPr lang="zh-CN" altLang="en-US" sz="2000" dirty="0"/>
-              <a:t>文件）到虚拟机</a:t>
-            </a:r>
-            <a:r>
-              <a:rPr lang="en-US" altLang="zh-CN" sz="2000" dirty="0"/>
-              <a:t>.</a:t>
-            </a:r>
-          </a:p>
-          <a:p>
-            <a:r>
-              <a:rPr lang="en-US" altLang="zh-CN" sz="2000" dirty="0"/>
-              <a:t> </a:t>
-            </a:r>
-            <a:r>
-              <a:rPr lang="en-US" altLang="zh-CN" sz="2000" dirty="0" err="1"/>
-              <a:t>Navicat</a:t>
-            </a:r>
-            <a:r>
-              <a:rPr lang="zh-CN" altLang="en-US" sz="2000" dirty="0"/>
-              <a:t>：连接数据库</a:t>
-            </a:r>
-            <a:r>
-              <a:rPr lang="en-US" altLang="zh-CN" sz="2000" dirty="0"/>
-              <a:t>.</a:t>
-            </a:r>
-          </a:p>
-          <a:p>
-            <a:r>
-              <a:rPr lang="en-US" altLang="zh-CN" sz="2000" dirty="0"/>
-              <a:t>Tomcat7.0.93</a:t>
-            </a:r>
-            <a:r>
-              <a:rPr lang="zh-CN" altLang="en-US" sz="2000" dirty="0"/>
-              <a:t>：配置服务器环境</a:t>
-            </a:r>
-            <a:r>
-              <a:rPr lang="en-US" altLang="zh-CN" sz="2000" dirty="0"/>
-              <a:t>.</a:t>
-            </a:r>
-          </a:p>
-          <a:p>
-            <a:r>
-              <a:rPr lang="en-US" altLang="zh-CN" sz="2000" dirty="0"/>
-              <a:t>Mysql5.5.20</a:t>
-            </a:r>
-          </a:p>
-          <a:p>
-            <a:endParaRPr lang="zh-CN" altLang="en-US" dirty="0"/>
-          </a:p>
-        </p:txBody>
-      </p:sp>
-      <p:sp>
-        <p:nvSpPr>
-          <p:cNvPr id="6" name="文本框 5">
-            <a:extLst>
-              <a:ext uri="{FF2B5EF4-FFF2-40B4-BE49-F238E27FC236}">
-                <a16:creationId xmlns:a16="http://schemas.microsoft.com/office/drawing/2014/main" id="{380658E7-1DE5-411C-92F5-341F9C9FBD53}"/>
-              </a:ext>
-            </a:extLst>
-          </p:cNvPr>
-          <p:cNvSpPr txBox="1"/>
-          <p:nvPr/>
-        </p:nvSpPr>
-        <p:spPr>
-          <a:xfrm>
-            <a:off x="1904213" y="3218410"/>
-            <a:ext cx="7861955" cy="4893647"/>
-          </a:xfrm>
-          <a:prstGeom prst="rect">
-            <a:avLst/>
-          </a:prstGeom>
-          <a:noFill/>
-        </p:spPr>
-        <p:txBody>
-          <a:bodyPr wrap="square" rtlCol="0">
-            <a:spAutoFit/>
-          </a:bodyPr>
-          <a:lstStyle/>
-          <a:p>
-            <a:r>
-              <a:rPr lang="zh-CN" altLang="en-US" sz="2400" b="1" dirty="0"/>
-              <a:t>小组分工：</a:t>
-            </a:r>
-            <a:endParaRPr lang="en-US" altLang="zh-CN" sz="2400" b="1" dirty="0"/>
-          </a:p>
-          <a:p>
-            <a:r>
-              <a:rPr lang="en-US" altLang="zh-CN" dirty="0"/>
-              <a:t>      </a:t>
-            </a:r>
-            <a:r>
-              <a:rPr lang="zh-CN" altLang="en-US" dirty="0"/>
-              <a:t>谢浩：与李茂秋一同进行进行</a:t>
-            </a:r>
-            <a:r>
-              <a:rPr lang="en-US" altLang="zh-CN" dirty="0"/>
-              <a:t>java</a:t>
-            </a:r>
-            <a:r>
-              <a:rPr lang="zh-CN" altLang="en-US" dirty="0"/>
-              <a:t>代码和</a:t>
-            </a:r>
-            <a:r>
-              <a:rPr lang="en-US" altLang="zh-CN" dirty="0" err="1"/>
-              <a:t>jsp</a:t>
-            </a:r>
-            <a:r>
-              <a:rPr lang="zh-CN" altLang="en-US" dirty="0"/>
-              <a:t>代码的编写。</a:t>
-            </a:r>
-            <a:endParaRPr lang="en-US" altLang="zh-CN" dirty="0"/>
-          </a:p>
-          <a:p>
-            <a:r>
-              <a:rPr lang="en-US" altLang="zh-CN" dirty="0"/>
-              <a:t>                 </a:t>
-            </a:r>
-            <a:r>
-              <a:rPr lang="zh-CN" altLang="en-US" dirty="0"/>
-              <a:t>编写</a:t>
-            </a:r>
-            <a:r>
-              <a:rPr lang="en-US" altLang="zh-CN" dirty="0"/>
-              <a:t>SQL</a:t>
-            </a:r>
-            <a:r>
-              <a:rPr lang="zh-CN" altLang="en-US" dirty="0"/>
-              <a:t>文件脚本、连接</a:t>
-            </a:r>
-            <a:r>
-              <a:rPr lang="en-US" altLang="zh-CN" dirty="0" err="1"/>
-              <a:t>Navicat</a:t>
-            </a:r>
-            <a:r>
-              <a:rPr lang="zh-CN" altLang="en-US" dirty="0"/>
-              <a:t>进行数据库的测试。</a:t>
-            </a:r>
-            <a:endParaRPr lang="en-US" altLang="zh-CN" dirty="0"/>
-          </a:p>
-          <a:p>
-            <a:r>
-              <a:rPr lang="en-US" altLang="zh-CN" dirty="0"/>
-              <a:t>                 </a:t>
-            </a:r>
-            <a:r>
-              <a:rPr lang="zh-CN" altLang="en-US" dirty="0"/>
-              <a:t>将网页连接</a:t>
-            </a:r>
-            <a:r>
-              <a:rPr lang="en-US" altLang="zh-CN" dirty="0"/>
-              <a:t>CentOS</a:t>
-            </a:r>
-            <a:r>
-              <a:rPr lang="zh-CN" altLang="en-US" dirty="0"/>
-              <a:t>服务器：利用</a:t>
-            </a:r>
-            <a:r>
-              <a:rPr lang="en-US" altLang="zh-CN" dirty="0" err="1"/>
-              <a:t>Xftp</a:t>
-            </a:r>
-            <a:r>
-              <a:rPr lang="zh-CN" altLang="en-US" dirty="0"/>
-              <a:t>向服务器上传输各种所需的 </a:t>
-            </a:r>
-            <a:r>
-              <a:rPr lang="en-US" altLang="zh-CN" dirty="0"/>
-              <a:t>	          </a:t>
-            </a:r>
-            <a:r>
-              <a:rPr lang="en-US" altLang="zh-CN" dirty="0" err="1"/>
-              <a:t>Mysql</a:t>
-            </a:r>
-            <a:r>
-              <a:rPr lang="zh-CN" altLang="en-US" dirty="0"/>
-              <a:t>、</a:t>
-            </a:r>
-            <a:r>
-              <a:rPr lang="en-US" altLang="zh-CN" dirty="0"/>
-              <a:t>Tomcat</a:t>
-            </a:r>
-            <a:r>
-              <a:rPr lang="zh-CN" altLang="en-US" dirty="0"/>
-              <a:t>、</a:t>
-            </a:r>
-            <a:r>
-              <a:rPr lang="en-US" altLang="zh-CN" dirty="0"/>
-              <a:t>JDK</a:t>
-            </a:r>
-            <a:r>
-              <a:rPr lang="zh-CN" altLang="en-US" dirty="0"/>
-              <a:t>（</a:t>
-            </a:r>
-            <a:r>
-              <a:rPr lang="en-US" altLang="zh-CN" dirty="0" err="1"/>
-              <a:t>linux</a:t>
-            </a:r>
-            <a:r>
-              <a:rPr lang="zh-CN" altLang="en-US" dirty="0"/>
-              <a:t>版本）下载包、利用</a:t>
-            </a:r>
-            <a:r>
-              <a:rPr lang="en-US" altLang="zh-CN" dirty="0" err="1"/>
-              <a:t>Xshell</a:t>
-            </a:r>
-            <a:r>
-              <a:rPr lang="zh-CN" altLang="en-US" dirty="0"/>
-              <a:t>在</a:t>
-            </a:r>
-            <a:r>
-              <a:rPr lang="en-US" altLang="zh-CN" dirty="0"/>
-              <a:t>CentOS</a:t>
-            </a:r>
-            <a:r>
-              <a:rPr lang="zh-CN" altLang="en-US" dirty="0"/>
-              <a:t>上  </a:t>
-            </a:r>
-            <a:r>
-              <a:rPr lang="en-US" altLang="zh-CN" dirty="0"/>
-              <a:t>	 	   </a:t>
-            </a:r>
-            <a:r>
-              <a:rPr lang="zh-CN" altLang="en-US" dirty="0"/>
-              <a:t>安装各种所需的</a:t>
-            </a:r>
-            <a:r>
-              <a:rPr lang="en-US" altLang="zh-CN" dirty="0" err="1"/>
-              <a:t>mysql</a:t>
-            </a:r>
-            <a:r>
-              <a:rPr lang="zh-CN" altLang="en-US" dirty="0"/>
-              <a:t>、</a:t>
-            </a:r>
-            <a:r>
-              <a:rPr lang="en-US" altLang="zh-CN" dirty="0"/>
-              <a:t>tomcat</a:t>
-            </a:r>
-            <a:r>
-              <a:rPr lang="zh-CN" altLang="en-US" dirty="0"/>
-              <a:t>、</a:t>
-            </a:r>
-            <a:r>
-              <a:rPr lang="en-US" altLang="zh-CN" dirty="0" err="1"/>
-              <a:t>jdk</a:t>
-            </a:r>
-            <a:r>
-              <a:rPr lang="zh-CN" altLang="en-US" dirty="0"/>
-              <a:t>等文件并配置环境、上传</a:t>
-            </a:r>
-            <a:r>
-              <a:rPr lang="en-US" altLang="zh-CN" dirty="0"/>
-              <a:t>war</a:t>
-            </a:r>
-          </a:p>
-          <a:p>
-            <a:r>
-              <a:rPr lang="en-US" altLang="zh-CN" dirty="0"/>
-              <a:t>                 </a:t>
-            </a:r>
-            <a:r>
-              <a:rPr lang="zh-CN" altLang="en-US" dirty="0"/>
-              <a:t>包并解析。</a:t>
-            </a:r>
-            <a:endParaRPr lang="en-US" altLang="zh-CN" dirty="0"/>
-          </a:p>
-          <a:p>
-            <a:r>
-              <a:rPr lang="en-US" altLang="zh-CN" dirty="0"/>
-              <a:t>       </a:t>
-            </a:r>
-            <a:r>
-              <a:rPr lang="zh-CN" altLang="en-US" dirty="0"/>
-              <a:t>李茂秋</a:t>
-            </a:r>
-            <a:r>
-              <a:rPr lang="en-US" altLang="zh-CN" dirty="0"/>
-              <a:t>:</a:t>
-            </a:r>
-            <a:r>
-              <a:rPr lang="zh-CN" altLang="en-US" dirty="0"/>
-              <a:t>与谢浩一同进行</a:t>
-            </a:r>
-            <a:r>
-              <a:rPr lang="en-US" altLang="zh-CN" dirty="0"/>
-              <a:t>java</a:t>
-            </a:r>
-            <a:r>
-              <a:rPr lang="zh-CN" altLang="en-US" dirty="0"/>
-              <a:t>代码和</a:t>
-            </a:r>
-            <a:r>
-              <a:rPr lang="en-US" altLang="zh-CN" dirty="0" err="1"/>
-              <a:t>jsp</a:t>
-            </a:r>
-            <a:r>
-              <a:rPr lang="zh-CN" altLang="en-US" dirty="0"/>
-              <a:t>代码的编写。</a:t>
-            </a:r>
-            <a:endParaRPr lang="en-US" altLang="zh-CN" dirty="0"/>
-          </a:p>
-          <a:p>
-            <a:r>
-              <a:rPr lang="en-US" altLang="zh-CN" dirty="0"/>
-              <a:t>                 </a:t>
-            </a:r>
-            <a:r>
-              <a:rPr lang="zh-CN" altLang="en-US" dirty="0"/>
-              <a:t>利用</a:t>
-            </a:r>
-            <a:r>
-              <a:rPr lang="en-US" altLang="zh-CN" dirty="0"/>
-              <a:t>tomcat</a:t>
-            </a:r>
-            <a:r>
-              <a:rPr lang="zh-CN" altLang="en-US" dirty="0"/>
-              <a:t>本地服务器连接</a:t>
-            </a:r>
-            <a:r>
-              <a:rPr lang="en-US" altLang="zh-CN" dirty="0"/>
-              <a:t>localhost</a:t>
-            </a:r>
-            <a:r>
-              <a:rPr lang="zh-CN" altLang="en-US" dirty="0"/>
-              <a:t>：</a:t>
-            </a:r>
-            <a:r>
-              <a:rPr lang="en-US" altLang="zh-CN" dirty="0"/>
-              <a:t>8080</a:t>
-            </a:r>
-            <a:r>
-              <a:rPr lang="zh-CN" altLang="en-US" dirty="0"/>
-              <a:t>进行网页的测试</a:t>
-            </a:r>
-            <a:r>
-              <a:rPr lang="en-US" altLang="zh-CN" dirty="0"/>
-              <a:t>.</a:t>
-            </a:r>
-          </a:p>
-          <a:p>
-            <a:r>
-              <a:rPr lang="en-US" altLang="zh-CN" dirty="0"/>
-              <a:t>                 </a:t>
-            </a:r>
-            <a:r>
-              <a:rPr lang="zh-CN" altLang="en-US" dirty="0"/>
-              <a:t>连接好服务器后，对网站进行最终的测试，寻找网页是否存在一</a:t>
-            </a:r>
-            <a:r>
-              <a:rPr lang="en-US" altLang="zh-CN" dirty="0"/>
-              <a:t>	         </a:t>
-            </a:r>
-            <a:r>
-              <a:rPr lang="zh-CN" altLang="en-US" dirty="0"/>
-              <a:t>些问题以便后来进行进一步的修改。</a:t>
-            </a:r>
-            <a:endParaRPr lang="en-US" altLang="zh-CN" dirty="0"/>
-          </a:p>
-          <a:p>
-            <a:r>
-              <a:rPr lang="en-US" altLang="zh-CN" dirty="0"/>
-              <a:t>              </a:t>
-            </a:r>
-          </a:p>
-          <a:p>
-            <a:r>
-              <a:rPr lang="en-US" altLang="zh-CN" dirty="0"/>
-              <a:t>        </a:t>
-            </a:r>
-            <a:r>
-              <a:rPr lang="zh-CN" altLang="en-US" dirty="0"/>
-              <a:t>代码行数：</a:t>
-            </a:r>
-            <a:r>
-              <a:rPr lang="en-US" altLang="zh-CN" dirty="0"/>
-              <a:t>2067</a:t>
-            </a:r>
-            <a:r>
-              <a:rPr lang="zh-CN" altLang="en-US" dirty="0"/>
-              <a:t>（</a:t>
-            </a:r>
-            <a:r>
-              <a:rPr lang="en-US" altLang="zh-CN" dirty="0"/>
-              <a:t>JAVA</a:t>
-            </a:r>
-            <a:r>
-              <a:rPr lang="zh-CN" altLang="en-US" dirty="0"/>
-              <a:t>）</a:t>
-            </a:r>
-            <a:endParaRPr lang="en-US" altLang="zh-CN" dirty="0"/>
-          </a:p>
-          <a:p>
-            <a:r>
-              <a:rPr lang="en-US" altLang="zh-CN" dirty="0"/>
-              <a:t>                  </a:t>
-            </a:r>
-          </a:p>
-          <a:p>
-            <a:r>
-              <a:rPr lang="en-US" altLang="zh-CN" dirty="0"/>
-              <a:t>                  </a:t>
-            </a:r>
-          </a:p>
-          <a:p>
-            <a:r>
-              <a:rPr lang="en-US" altLang="zh-CN" dirty="0"/>
-              <a:t>                  </a:t>
-            </a:r>
-          </a:p>
-          <a:p>
-            <a:r>
-              <a:rPr lang="en-US" altLang="zh-CN" dirty="0"/>
-              <a:t>                   </a:t>
-            </a:r>
-            <a:endParaRPr lang="zh-CN" altLang="en-US" dirty="0"/>
-          </a:p>
-        </p:txBody>
-      </p:sp>
-    </p:spTree>
-    <p:extLst>
-      <p:ext uri="{BB962C8B-B14F-4D97-AF65-F5344CB8AC3E}">
-        <p14:creationId xmlns:p14="http://schemas.microsoft.com/office/powerpoint/2010/main" val="4140145106"/>
-      </p:ext>
-    </p:extLst>
-  </p:cSld>
-  <p:clrMapOvr>
-    <a:masterClrMapping/>
-  </p:clrMapOvr>
-</p:sld>
-</file>
-
-<file path=ppt/slides/slide20.xml><?xml version="1.0" encoding="utf-8"?>
+<file path=ppt/slides/slide23.xml><?xml version="1.0" encoding="utf-8"?>
 <p:sld xmlns:a="http://schemas.openxmlformats.org/drawingml/2006/main" xmlns:r="http://schemas.openxmlformats.org/officeDocument/2006/relationships" xmlns:p="http://schemas.openxmlformats.org/presentationml/2006/main">
   <p:cSld>
     <p:spTree>
@@ -9316,7 +9729,7 @@
 </p:sld>
 </file>
 
-<file path=ppt/slides/slide21.xml><?xml version="1.0" encoding="utf-8"?>
+<file path=ppt/slides/slide24.xml><?xml version="1.0" encoding="utf-8"?>
 <p:sld xmlns:a="http://schemas.openxmlformats.org/drawingml/2006/main" xmlns:r="http://schemas.openxmlformats.org/officeDocument/2006/relationships" xmlns:p="http://schemas.openxmlformats.org/presentationml/2006/main">
   <p:cSld>
     <p:spTree>
@@ -9426,7 +9839,7 @@
 </p:sld>
 </file>
 
-<file path=ppt/slides/slide22.xml><?xml version="1.0" encoding="utf-8"?>
+<file path=ppt/slides/slide25.xml><?xml version="1.0" encoding="utf-8"?>
 <p:sld xmlns:a="http://schemas.openxmlformats.org/drawingml/2006/main" xmlns:r="http://schemas.openxmlformats.org/officeDocument/2006/relationships" xmlns:p="http://schemas.openxmlformats.org/presentationml/2006/main">
   <p:cSld>
     <p:spTree>
@@ -9536,7 +9949,7 @@
 </p:sld>
 </file>
 
-<file path=ppt/slides/slide23.xml><?xml version="1.0" encoding="utf-8"?>
+<file path=ppt/slides/slide26.xml><?xml version="1.0" encoding="utf-8"?>
 <p:sld xmlns:a="http://schemas.openxmlformats.org/drawingml/2006/main" xmlns:r="http://schemas.openxmlformats.org/officeDocument/2006/relationships" xmlns:p="http://schemas.openxmlformats.org/presentationml/2006/main">
   <p:cSld>
     <p:spTree>
@@ -9592,6 +10005,210 @@
               <a:t>http://39.103.177.121/LibrarySystem/index</a:t>
             </a:r>
             <a:endParaRPr lang="zh-CN" altLang="en-US" dirty="0"/>
+          </a:p>
+        </p:txBody>
+      </p:sp>
+      <p:sp>
+        <p:nvSpPr>
+          <p:cNvPr id="2" name="文本框 1">
+            <a:extLst>
+              <a:ext uri="{FF2B5EF4-FFF2-40B4-BE49-F238E27FC236}">
+                <a16:creationId xmlns:a16="http://schemas.microsoft.com/office/drawing/2014/main" id="{DA1C2F6C-378A-49B3-B3D1-9DEECA3CAB1E}"/>
+              </a:ext>
+            </a:extLst>
+          </p:cNvPr>
+          <p:cNvSpPr txBox="1"/>
+          <p:nvPr/>
+        </p:nvSpPr>
+        <p:spPr>
+          <a:xfrm>
+            <a:off x="2441542" y="1432874"/>
+            <a:ext cx="6447934" cy="369332"/>
+          </a:xfrm>
+          <a:prstGeom prst="rect">
+            <a:avLst/>
+          </a:prstGeom>
+          <a:noFill/>
+        </p:spPr>
+        <p:txBody>
+          <a:bodyPr wrap="square" rtlCol="0">
+            <a:spAutoFit/>
+          </a:bodyPr>
+          <a:lstStyle/>
+          <a:p>
+            <a:r>
+              <a:rPr lang="zh-CN" altLang="en-US" dirty="0"/>
+              <a:t>源码资源：</a:t>
+            </a:r>
+            <a:r>
+              <a:rPr lang="en-US" altLang="zh-CN" dirty="0">
+                <a:hlinkClick r:id="rId3"/>
+              </a:rPr>
+              <a:t>https://github.com/Xiehao999/library-system</a:t>
+            </a:r>
+            <a:endParaRPr lang="zh-CN" altLang="en-US" dirty="0"/>
+          </a:p>
+        </p:txBody>
+      </p:sp>
+      <p:sp>
+        <p:nvSpPr>
+          <p:cNvPr id="5" name="文本框 4">
+            <a:extLst>
+              <a:ext uri="{FF2B5EF4-FFF2-40B4-BE49-F238E27FC236}">
+                <a16:creationId xmlns:a16="http://schemas.microsoft.com/office/drawing/2014/main" id="{5BAD101A-F9B4-434C-98D1-C6526BA4F6EE}"/>
+              </a:ext>
+            </a:extLst>
+          </p:cNvPr>
+          <p:cNvSpPr txBox="1"/>
+          <p:nvPr/>
+        </p:nvSpPr>
+        <p:spPr>
+          <a:xfrm>
+            <a:off x="2441542" y="2309567"/>
+            <a:ext cx="7456602" cy="2677656"/>
+          </a:xfrm>
+          <a:prstGeom prst="rect">
+            <a:avLst/>
+          </a:prstGeom>
+          <a:noFill/>
+        </p:spPr>
+        <p:txBody>
+          <a:bodyPr wrap="square" rtlCol="0">
+            <a:spAutoFit/>
+          </a:bodyPr>
+          <a:lstStyle/>
+          <a:p>
+            <a:r>
+              <a:rPr lang="zh-CN" altLang="en-US" sz="2800" dirty="0"/>
+              <a:t>普通用户：账号</a:t>
+            </a:r>
+            <a:r>
+              <a:rPr lang="en-US" altLang="zh-CN" sz="2800" dirty="0" err="1"/>
+              <a:t>xiehaohao</a:t>
+            </a:r>
+            <a:r>
+              <a:rPr lang="en-US" altLang="zh-CN" sz="2800" dirty="0"/>
+              <a:t>    </a:t>
+            </a:r>
+            <a:r>
+              <a:rPr lang="zh-CN" altLang="en-US" sz="2800" dirty="0"/>
+              <a:t>密码</a:t>
+            </a:r>
+            <a:r>
+              <a:rPr lang="en-US" altLang="zh-CN" sz="2800" dirty="0"/>
+              <a:t>123456789</a:t>
+            </a:r>
+          </a:p>
+          <a:p>
+            <a:r>
+              <a:rPr lang="en-US" altLang="zh-CN" sz="2800" dirty="0"/>
+              <a:t>                  </a:t>
+            </a:r>
+            <a:r>
+              <a:rPr lang="zh-CN" altLang="en-US" sz="2800" dirty="0"/>
+              <a:t>账号</a:t>
+            </a:r>
+            <a:r>
+              <a:rPr lang="en-US" altLang="zh-CN" sz="2800" dirty="0" err="1"/>
+              <a:t>lmq</a:t>
+            </a:r>
+            <a:r>
+              <a:rPr lang="en-US" altLang="zh-CN" sz="2800" dirty="0"/>
+              <a:t>              </a:t>
+            </a:r>
+            <a:r>
+              <a:rPr lang="zh-CN" altLang="en-US" sz="2800" dirty="0"/>
+              <a:t>密码</a:t>
+            </a:r>
+            <a:r>
+              <a:rPr lang="en-US" altLang="zh-CN" sz="2800" dirty="0"/>
+              <a:t>020217</a:t>
+            </a:r>
+          </a:p>
+          <a:p>
+            <a:r>
+              <a:rPr lang="en-US" altLang="zh-CN" sz="2800" dirty="0"/>
+              <a:t>                  </a:t>
+            </a:r>
+            <a:r>
+              <a:rPr lang="zh-CN" altLang="en-US" sz="2800" dirty="0"/>
+              <a:t>账号</a:t>
+            </a:r>
+            <a:r>
+              <a:rPr lang="en-US" altLang="zh-CN" sz="2800" dirty="0" err="1"/>
+              <a:t>zhangsan</a:t>
+            </a:r>
+            <a:r>
+              <a:rPr lang="en-US" altLang="zh-CN" sz="2800" dirty="0"/>
+              <a:t>       </a:t>
+            </a:r>
+            <a:r>
+              <a:rPr lang="zh-CN" altLang="en-US" sz="2800" dirty="0"/>
+              <a:t>密码</a:t>
+            </a:r>
+            <a:r>
+              <a:rPr lang="en-US" altLang="zh-CN" sz="2800" dirty="0"/>
+              <a:t>123</a:t>
+            </a:r>
+          </a:p>
+          <a:p>
+            <a:r>
+              <a:rPr lang="zh-CN" altLang="en-US" sz="2800" dirty="0"/>
+              <a:t>管理员：账号</a:t>
+            </a:r>
+            <a:r>
+              <a:rPr lang="en-US" altLang="zh-CN" sz="2800" dirty="0"/>
+              <a:t>tom          </a:t>
+            </a:r>
+            <a:r>
+              <a:rPr lang="zh-CN" altLang="en-US" sz="2800" dirty="0"/>
+              <a:t>密码</a:t>
+            </a:r>
+            <a:r>
+              <a:rPr lang="en-US" altLang="zh-CN" sz="2800" dirty="0"/>
+              <a:t>123</a:t>
+            </a:r>
+          </a:p>
+          <a:p>
+            <a:r>
+              <a:rPr lang="en-US" altLang="zh-CN" sz="2800" dirty="0"/>
+              <a:t>               </a:t>
+            </a:r>
+            <a:r>
+              <a:rPr lang="zh-CN" altLang="en-US" sz="2800" dirty="0"/>
+              <a:t>账号</a:t>
+            </a:r>
+            <a:r>
+              <a:rPr lang="en-US" altLang="zh-CN" sz="2800" dirty="0"/>
+              <a:t>jack          </a:t>
+            </a:r>
+            <a:r>
+              <a:rPr lang="zh-CN" altLang="en-US" sz="2800" dirty="0"/>
+              <a:t>密码</a:t>
+            </a:r>
+            <a:r>
+              <a:rPr lang="en-US" altLang="zh-CN" sz="2800" dirty="0"/>
+              <a:t>123</a:t>
+            </a:r>
+          </a:p>
+          <a:p>
+            <a:r>
+              <a:rPr lang="zh-CN" altLang="en-US" sz="2800" dirty="0"/>
+              <a:t>系统管理员：账号</a:t>
+            </a:r>
+            <a:r>
+              <a:rPr lang="en-US" altLang="zh-CN" sz="2800" dirty="0"/>
+              <a:t>admin   </a:t>
+            </a:r>
+            <a:r>
+              <a:rPr lang="zh-CN" altLang="en-US" sz="2800" dirty="0"/>
+              <a:t>密码</a:t>
+            </a:r>
+            <a:r>
+              <a:rPr lang="en-US" altLang="zh-CN" sz="2800" dirty="0"/>
+              <a:t>123</a:t>
+            </a:r>
+            <a:endParaRPr lang="zh-CN" altLang="en-US" sz="2800" dirty="0"/>
           </a:p>
         </p:txBody>
       </p:sp>
@@ -9627,10 +10244,213 @@
       </p:grpSpPr>
       <p:sp>
         <p:nvSpPr>
-          <p:cNvPr id="6" name="文本框 5">
+          <p:cNvPr id="4" name="文本框 4">
             <a:extLst>
               <a:ext uri="{FF2B5EF4-FFF2-40B4-BE49-F238E27FC236}">
-                <a16:creationId xmlns:a16="http://schemas.microsoft.com/office/drawing/2014/main" id="{8B7E9859-62B3-459F-81A4-3B96BBA2BB8F}"/>
+                <a16:creationId xmlns:a16="http://schemas.microsoft.com/office/drawing/2014/main" id="{B2F53B2A-AAE9-47AC-ABCE-C57E144A3F14}"/>
+              </a:ext>
+            </a:extLst>
+          </p:cNvPr>
+          <p:cNvSpPr txBox="1">
+            <a:spLocks noChangeArrowheads="1"/>
+          </p:cNvSpPr>
+          <p:nvPr/>
+        </p:nvSpPr>
+        <p:spPr bwMode="auto">
+          <a:xfrm>
+            <a:off x="2086352" y="1194701"/>
+            <a:ext cx="8307387" cy="5222875"/>
+          </a:xfrm>
+          <a:prstGeom prst="rect">
+            <a:avLst/>
+          </a:prstGeom>
+          <a:noFill/>
+          <a:ln w="12700">
+            <a:noFill/>
+            <a:miter lim="400000"/>
+            <a:headEnd/>
+            <a:tailEnd/>
+          </a:ln>
+        </p:spPr>
+        <p:txBody>
+          <a:bodyPr lIns="45719" tIns="45719" rIns="45719" bIns="45719">
+            <a:spAutoFit/>
+          </a:bodyPr>
+          <a:lstStyle/>
+          <a:p>
+            <a:pPr marL="514350" indent="-514350" hangingPunct="0">
+              <a:lnSpc>
+                <a:spcPct val="150000"/>
+              </a:lnSpc>
+            </a:pPr>
+            <a:r>
+              <a:rPr lang="zh-CN" altLang="en-US" sz="2800" dirty="0">
+                <a:solidFill>
+                  <a:srgbClr val="797979"/>
+                </a:solidFill>
+                <a:latin typeface="微软雅黑" pitchFamily="34" charset="-122"/>
+                <a:ea typeface="微软雅黑" pitchFamily="34" charset="-122"/>
+              </a:rPr>
+              <a:t>系统共分为三种用户：</a:t>
+            </a:r>
+          </a:p>
+          <a:p>
+            <a:pPr marL="514350" indent="-514350" hangingPunct="0">
+              <a:lnSpc>
+                <a:spcPct val="150000"/>
+              </a:lnSpc>
+            </a:pPr>
+            <a:r>
+              <a:rPr lang="en-US" altLang="zh-CN" sz="2800" dirty="0">
+                <a:solidFill>
+                  <a:srgbClr val="797979"/>
+                </a:solidFill>
+                <a:latin typeface="微软雅黑" pitchFamily="34" charset="-122"/>
+                <a:ea typeface="微软雅黑" pitchFamily="34" charset="-122"/>
+              </a:rPr>
+              <a:t>1.</a:t>
+            </a:r>
+            <a:r>
+              <a:rPr lang="zh-CN" altLang="en-US" sz="2800" dirty="0">
+                <a:solidFill>
+                  <a:srgbClr val="797979"/>
+                </a:solidFill>
+                <a:latin typeface="微软雅黑" pitchFamily="34" charset="-122"/>
+                <a:ea typeface="微软雅黑" pitchFamily="34" charset="-122"/>
+              </a:rPr>
+              <a:t>普通用户</a:t>
+            </a:r>
+          </a:p>
+          <a:p>
+            <a:pPr marL="514350" indent="-514350" hangingPunct="0">
+              <a:lnSpc>
+                <a:spcPct val="150000"/>
+              </a:lnSpc>
+            </a:pPr>
+            <a:r>
+              <a:rPr lang="zh-CN" altLang="en-US" sz="2800" dirty="0">
+                <a:solidFill>
+                  <a:srgbClr val="797979"/>
+                </a:solidFill>
+                <a:latin typeface="微软雅黑" pitchFamily="34" charset="-122"/>
+                <a:ea typeface="微软雅黑" pitchFamily="34" charset="-122"/>
+              </a:rPr>
+              <a:t>	书籍查询、书籍借阅、书籍归还、书籍预定</a:t>
+            </a:r>
+          </a:p>
+          <a:p>
+            <a:pPr marL="514350" indent="-514350" hangingPunct="0">
+              <a:lnSpc>
+                <a:spcPct val="150000"/>
+              </a:lnSpc>
+            </a:pPr>
+            <a:r>
+              <a:rPr lang="en-US" altLang="zh-CN" sz="2800" dirty="0">
+                <a:solidFill>
+                  <a:srgbClr val="797979"/>
+                </a:solidFill>
+                <a:latin typeface="微软雅黑" pitchFamily="34" charset="-122"/>
+                <a:ea typeface="微软雅黑" pitchFamily="34" charset="-122"/>
+              </a:rPr>
+              <a:t>2.</a:t>
+            </a:r>
+            <a:r>
+              <a:rPr lang="zh-CN" altLang="en-US" sz="2800" dirty="0">
+                <a:solidFill>
+                  <a:srgbClr val="797979"/>
+                </a:solidFill>
+                <a:latin typeface="微软雅黑" pitchFamily="34" charset="-122"/>
+                <a:ea typeface="微软雅黑" pitchFamily="34" charset="-122"/>
+              </a:rPr>
+              <a:t>管理员</a:t>
+            </a:r>
+          </a:p>
+          <a:p>
+            <a:pPr marL="514350" indent="-514350" hangingPunct="0">
+              <a:lnSpc>
+                <a:spcPct val="150000"/>
+              </a:lnSpc>
+            </a:pPr>
+            <a:r>
+              <a:rPr lang="zh-CN" altLang="en-US" sz="2800" dirty="0">
+                <a:solidFill>
+                  <a:srgbClr val="797979"/>
+                </a:solidFill>
+                <a:latin typeface="微软雅黑" pitchFamily="34" charset="-122"/>
+                <a:ea typeface="微软雅黑" pitchFamily="34" charset="-122"/>
+              </a:rPr>
+              <a:t>	借书处理、归还处理、预定处理</a:t>
+            </a:r>
+          </a:p>
+          <a:p>
+            <a:pPr marL="514350" indent="-514350" hangingPunct="0">
+              <a:lnSpc>
+                <a:spcPct val="150000"/>
+              </a:lnSpc>
+            </a:pPr>
+            <a:r>
+              <a:rPr lang="en-US" altLang="zh-CN" sz="2800" dirty="0">
+                <a:solidFill>
+                  <a:srgbClr val="797979"/>
+                </a:solidFill>
+                <a:latin typeface="微软雅黑" pitchFamily="34" charset="-122"/>
+                <a:ea typeface="微软雅黑" pitchFamily="34" charset="-122"/>
+              </a:rPr>
+              <a:t>3.</a:t>
+            </a:r>
+            <a:r>
+              <a:rPr lang="zh-CN" altLang="en-US" sz="2800" dirty="0">
+                <a:solidFill>
+                  <a:srgbClr val="797979"/>
+                </a:solidFill>
+                <a:latin typeface="微软雅黑" pitchFamily="34" charset="-122"/>
+                <a:ea typeface="微软雅黑" pitchFamily="34" charset="-122"/>
+              </a:rPr>
+              <a:t>系统管理员</a:t>
+            </a:r>
+          </a:p>
+          <a:p>
+            <a:pPr marL="514350" indent="-514350" hangingPunct="0">
+              <a:lnSpc>
+                <a:spcPct val="150000"/>
+              </a:lnSpc>
+            </a:pPr>
+            <a:r>
+              <a:rPr lang="zh-CN" altLang="en-US" sz="2800" dirty="0">
+                <a:solidFill>
+                  <a:srgbClr val="797979"/>
+                </a:solidFill>
+                <a:latin typeface="微软雅黑" pitchFamily="34" charset="-122"/>
+                <a:ea typeface="微软雅黑" pitchFamily="34" charset="-122"/>
+              </a:rPr>
+              <a:t>	用户管理、书籍管理、类别管理</a:t>
+            </a:r>
+            <a:endParaRPr lang="zh-CN" altLang="en-US" sz="2800" dirty="0">
+              <a:latin typeface="微软雅黑" pitchFamily="34" charset="-122"/>
+              <a:ea typeface="微软雅黑" pitchFamily="34" charset="-122"/>
+            </a:endParaRPr>
+          </a:p>
+          <a:p>
+            <a:pPr marL="514350" indent="-514350" hangingPunct="0">
+              <a:lnSpc>
+                <a:spcPct val="150000"/>
+              </a:lnSpc>
+              <a:buFontTx/>
+              <a:buChar char="•"/>
+            </a:pPr>
+            <a:endParaRPr lang="zh-CN" altLang="en-US" sz="2800" dirty="0">
+              <a:latin typeface="微软雅黑" pitchFamily="34" charset="-122"/>
+              <a:ea typeface="微软雅黑" pitchFamily="34" charset="-122"/>
+            </a:endParaRPr>
+          </a:p>
+        </p:txBody>
+      </p:sp>
+      <p:sp>
+        <p:nvSpPr>
+          <p:cNvPr id="5" name="文本框 4">
+            <a:extLst>
+              <a:ext uri="{FF2B5EF4-FFF2-40B4-BE49-F238E27FC236}">
+                <a16:creationId xmlns:a16="http://schemas.microsoft.com/office/drawing/2014/main" id="{85ACFCD9-9E56-44BD-9070-09FB7CDBE30D}"/>
               </a:ext>
             </a:extLst>
           </p:cNvPr>
@@ -9639,8 +10459,8 @@
         </p:nvSpPr>
         <p:spPr>
           <a:xfrm>
-            <a:off x="5175316" y="420336"/>
-            <a:ext cx="4930219" cy="369332"/>
+            <a:off x="5033914" y="190877"/>
+            <a:ext cx="3271101" cy="523220"/>
           </a:xfrm>
           <a:prstGeom prst="rect">
             <a:avLst/>
@@ -9654,57 +10474,16 @@
           <a:lstStyle/>
           <a:p>
             <a:r>
-              <a:rPr lang="zh-CN" altLang="en-US" dirty="0"/>
-              <a:t>连接</a:t>
-            </a:r>
-            <a:r>
-              <a:rPr lang="en-US" altLang="zh-CN" dirty="0"/>
-              <a:t>CentOS</a:t>
-            </a:r>
-            <a:endParaRPr lang="zh-CN" altLang="en-US" dirty="0"/>
-          </a:p>
-        </p:txBody>
-      </p:sp>
-      <p:pic>
-        <p:nvPicPr>
-          <p:cNvPr id="8" name="图片 7">
-            <a:extLst>
-              <a:ext uri="{FF2B5EF4-FFF2-40B4-BE49-F238E27FC236}">
-                <a16:creationId xmlns:a16="http://schemas.microsoft.com/office/drawing/2014/main" id="{6A7CE072-197A-4289-97E4-71EAFB80FA6B}"/>
-              </a:ext>
-            </a:extLst>
-          </p:cNvPr>
-          <p:cNvPicPr>
-            <a:picLocks noChangeAspect="1"/>
-          </p:cNvPicPr>
-          <p:nvPr/>
-        </p:nvPicPr>
-        <p:blipFill>
-          <a:blip r:embed="rId2">
-            <a:extLst>
-              <a:ext uri="{28A0092B-C50C-407E-A947-70E740481C1C}">
-                <a14:useLocalDpi xmlns:a14="http://schemas.microsoft.com/office/drawing/2010/main" val="0"/>
-              </a:ext>
-            </a:extLst>
-          </a:blip>
-          <a:stretch>
-            <a:fillRect/>
-          </a:stretch>
-        </p:blipFill>
-        <p:spPr>
-          <a:xfrm>
-            <a:off x="968066" y="980389"/>
-            <a:ext cx="10344099" cy="5549178"/>
-          </a:xfrm>
-          <a:prstGeom prst="rect">
-            <a:avLst/>
-          </a:prstGeom>
-        </p:spPr>
-      </p:pic>
+              <a:rPr lang="zh-CN" altLang="en-US" sz="2800" b="1" dirty="0"/>
+              <a:t>图书管理系统</a:t>
+            </a:r>
+          </a:p>
+        </p:txBody>
+      </p:sp>
     </p:spTree>
     <p:extLst>
       <p:ext uri="{BB962C8B-B14F-4D97-AF65-F5344CB8AC3E}">
-        <p14:creationId xmlns:p14="http://schemas.microsoft.com/office/powerpoint/2010/main" val="2376243994"/>
+        <p14:creationId xmlns:p14="http://schemas.microsoft.com/office/powerpoint/2010/main" val="3562883670"/>
       </p:ext>
     </p:extLst>
   </p:cSld>
@@ -9733,10 +10512,10 @@
       </p:grpSpPr>
       <p:pic>
         <p:nvPicPr>
-          <p:cNvPr id="5" name="图片 4">
+          <p:cNvPr id="7" name="图片 6">
             <a:extLst>
               <a:ext uri="{FF2B5EF4-FFF2-40B4-BE49-F238E27FC236}">
-                <a16:creationId xmlns:a16="http://schemas.microsoft.com/office/drawing/2014/main" id="{0EA3B8E6-690B-447F-BC58-6B2ED1BB4532}"/>
+                <a16:creationId xmlns:a16="http://schemas.microsoft.com/office/drawing/2014/main" id="{B57ACC28-2A5F-42C9-AB43-5F0C0AEDB027}"/>
               </a:ext>
             </a:extLst>
           </p:cNvPr>
@@ -9746,21 +10525,15 @@
           <p:nvPr/>
         </p:nvPicPr>
         <p:blipFill>
-          <a:blip r:embed="rId2">
-            <a:extLst>
-              <a:ext uri="{28A0092B-C50C-407E-A947-70E740481C1C}">
-                <a14:useLocalDpi xmlns:a14="http://schemas.microsoft.com/office/drawing/2010/main" val="0"/>
-              </a:ext>
-            </a:extLst>
-          </a:blip>
+          <a:blip r:embed="rId2"/>
           <a:stretch>
             <a:fillRect/>
           </a:stretch>
         </p:blipFill>
         <p:spPr>
           <a:xfrm>
-            <a:off x="990358" y="2168238"/>
-            <a:ext cx="7173254" cy="2521524"/>
+            <a:off x="3962046" y="491371"/>
+            <a:ext cx="4267908" cy="2682344"/>
           </a:xfrm>
           <a:prstGeom prst="rect">
             <a:avLst/>
@@ -9769,10 +10542,10 @@
       </p:pic>
       <p:sp>
         <p:nvSpPr>
-          <p:cNvPr id="6" name="文本框 5">
+          <p:cNvPr id="8" name="文本框 7">
             <a:extLst>
               <a:ext uri="{FF2B5EF4-FFF2-40B4-BE49-F238E27FC236}">
-                <a16:creationId xmlns:a16="http://schemas.microsoft.com/office/drawing/2014/main" id="{319EC60C-3BF4-41E5-926F-C1BC8DB18687}"/>
+                <a16:creationId xmlns:a16="http://schemas.microsoft.com/office/drawing/2014/main" id="{8AADF52A-5171-4410-9ED3-73C292ECB764}"/>
               </a:ext>
             </a:extLst>
           </p:cNvPr>
@@ -9781,8 +10554,8 @@
         </p:nvSpPr>
         <p:spPr>
           <a:xfrm>
-            <a:off x="2083325" y="763539"/>
-            <a:ext cx="4326903" cy="954107"/>
+            <a:off x="5043340" y="-10994"/>
+            <a:ext cx="2328421" cy="369332"/>
           </a:xfrm>
           <a:prstGeom prst="rect">
             <a:avLst/>
@@ -9796,27 +10569,26 @@
           <a:lstStyle/>
           <a:p>
             <a:r>
-              <a:rPr lang="en-US" altLang="zh-CN" sz="2800" b="1" dirty="0"/>
-              <a:t>Cent</a:t>
-            </a:r>
-            <a:r>
-              <a:rPr lang="zh-CN" altLang="en-US" sz="2800" b="1" dirty="0"/>
-              <a:t>下成功安装</a:t>
-            </a:r>
-            <a:r>
-              <a:rPr lang="en-US" altLang="zh-CN" sz="2800" b="1" dirty="0"/>
-              <a:t>JDK1.8.0.151</a:t>
-            </a:r>
-            <a:endParaRPr lang="zh-CN" altLang="en-US" sz="2800" b="1" dirty="0"/>
+              <a:rPr lang="zh-CN" altLang="en-US" dirty="0"/>
+              <a:t>服务器</a:t>
+            </a:r>
+            <a:r>
+              <a:rPr lang="en-US" altLang="zh-CN" dirty="0"/>
+              <a:t>:</a:t>
+            </a:r>
+            <a:r>
+              <a:rPr lang="zh-CN" altLang="en-US" dirty="0"/>
+              <a:t>阿里云</a:t>
+            </a:r>
           </a:p>
         </p:txBody>
       </p:sp>
       <p:pic>
         <p:nvPicPr>
-          <p:cNvPr id="8" name="图片 7">
+          <p:cNvPr id="10" name="图片 9">
             <a:extLst>
               <a:ext uri="{FF2B5EF4-FFF2-40B4-BE49-F238E27FC236}">
-                <a16:creationId xmlns:a16="http://schemas.microsoft.com/office/drawing/2014/main" id="{467FFA0D-0728-4568-84E7-F0DEC71751E8}"/>
+                <a16:creationId xmlns:a16="http://schemas.microsoft.com/office/drawing/2014/main" id="{18790E67-05FA-4E7F-8032-AA531F4AB6C2}"/>
               </a:ext>
             </a:extLst>
           </p:cNvPr>
@@ -9826,21 +10598,15 @@
           <p:nvPr/>
         </p:nvPicPr>
         <p:blipFill>
-          <a:blip r:embed="rId3">
-            <a:extLst>
-              <a:ext uri="{28A0092B-C50C-407E-A947-70E740481C1C}">
-                <a14:useLocalDpi xmlns:a14="http://schemas.microsoft.com/office/drawing/2010/main" val="0"/>
-              </a:ext>
-            </a:extLst>
-          </a:blip>
+          <a:blip r:embed="rId3"/>
           <a:stretch>
             <a:fillRect/>
           </a:stretch>
         </p:blipFill>
         <p:spPr>
           <a:xfrm>
-            <a:off x="8377316" y="1427816"/>
-            <a:ext cx="3462717" cy="4940039"/>
+            <a:off x="1131216" y="4342225"/>
+            <a:ext cx="10652289" cy="2260786"/>
           </a:xfrm>
           <a:prstGeom prst="rect">
             <a:avLst/>
@@ -9849,10 +10615,10 @@
       </p:pic>
       <p:sp>
         <p:nvSpPr>
-          <p:cNvPr id="9" name="文本框 8">
+          <p:cNvPr id="11" name="文本框 10">
             <a:extLst>
               <a:ext uri="{FF2B5EF4-FFF2-40B4-BE49-F238E27FC236}">
-                <a16:creationId xmlns:a16="http://schemas.microsoft.com/office/drawing/2014/main" id="{6B90EA32-B16E-4568-92F6-08C34C937F72}"/>
+                <a16:creationId xmlns:a16="http://schemas.microsoft.com/office/drawing/2014/main" id="{75A176BB-35ED-465F-AEFA-84A440D65781}"/>
               </a:ext>
             </a:extLst>
           </p:cNvPr>
@@ -9861,8 +10627,8 @@
         </p:nvSpPr>
         <p:spPr>
           <a:xfrm>
-            <a:off x="8823489" y="688157"/>
-            <a:ext cx="2262433" cy="646331"/>
+            <a:off x="4581427" y="3591612"/>
+            <a:ext cx="3223967" cy="369332"/>
           </a:xfrm>
           <a:prstGeom prst="rect">
             <a:avLst/>
@@ -9877,28 +10643,31 @@
           <a:p>
             <a:r>
               <a:rPr lang="zh-CN" altLang="en-US" dirty="0"/>
-              <a:t>成功将</a:t>
-            </a:r>
-            <a:r>
-              <a:rPr lang="en-US" altLang="zh-CN" dirty="0" err="1"/>
-              <a:t>sql</a:t>
+              <a:t>开放</a:t>
+            </a:r>
+            <a:r>
+              <a:rPr lang="en-US" altLang="zh-CN" dirty="0"/>
+              <a:t>80</a:t>
             </a:r>
             <a:r>
               <a:rPr lang="zh-CN" altLang="en-US" dirty="0"/>
-              <a:t>文件传送到</a:t>
+              <a:t>端口、</a:t>
             </a:r>
             <a:r>
               <a:rPr lang="en-US" altLang="zh-CN" dirty="0"/>
-              <a:t>Centos</a:t>
-            </a:r>
-            <a:endParaRPr lang="zh-CN" altLang="en-US" dirty="0"/>
+              <a:t>3306</a:t>
+            </a:r>
+            <a:r>
+              <a:rPr lang="zh-CN" altLang="en-US" dirty="0"/>
+              <a:t>端口</a:t>
+            </a:r>
           </a:p>
         </p:txBody>
       </p:sp>
     </p:spTree>
     <p:extLst>
       <p:ext uri="{BB962C8B-B14F-4D97-AF65-F5344CB8AC3E}">
-        <p14:creationId xmlns:p14="http://schemas.microsoft.com/office/powerpoint/2010/main" val="2639676987"/>
+        <p14:creationId xmlns:p14="http://schemas.microsoft.com/office/powerpoint/2010/main" val="3125139424"/>
       </p:ext>
     </p:extLst>
   </p:cSld>
@@ -9930,7 +10699,7 @@
           <p:cNvPr id="5" name="图片 4">
             <a:extLst>
               <a:ext uri="{FF2B5EF4-FFF2-40B4-BE49-F238E27FC236}">
-                <a16:creationId xmlns:a16="http://schemas.microsoft.com/office/drawing/2014/main" id="{AEB7630E-0549-4E64-B48A-A8C39D42009A}"/>
+                <a16:creationId xmlns:a16="http://schemas.microsoft.com/office/drawing/2014/main" id="{1D302889-9AFA-46E6-BCED-987D3ED4FE59}"/>
               </a:ext>
             </a:extLst>
           </p:cNvPr>
@@ -9940,21 +10709,15 @@
           <p:nvPr/>
         </p:nvPicPr>
         <p:blipFill>
-          <a:blip r:embed="rId2">
-            <a:extLst>
-              <a:ext uri="{28A0092B-C50C-407E-A947-70E740481C1C}">
-                <a14:useLocalDpi xmlns:a14="http://schemas.microsoft.com/office/drawing/2010/main" val="0"/>
-              </a:ext>
-            </a:extLst>
-          </a:blip>
+          <a:blip r:embed="rId2"/>
           <a:stretch>
             <a:fillRect/>
           </a:stretch>
         </p:blipFill>
         <p:spPr>
           <a:xfrm>
-            <a:off x="1725105" y="1745695"/>
-            <a:ext cx="8993171" cy="4552158"/>
+            <a:off x="1226398" y="2401177"/>
+            <a:ext cx="9739204" cy="1508891"/>
           </a:xfrm>
           <a:prstGeom prst="rect">
             <a:avLst/>
@@ -9966,7 +10729,7 @@
           <p:cNvPr id="6" name="文本框 5">
             <a:extLst>
               <a:ext uri="{FF2B5EF4-FFF2-40B4-BE49-F238E27FC236}">
-                <a16:creationId xmlns:a16="http://schemas.microsoft.com/office/drawing/2014/main" id="{D3E1DFF8-96D7-4F3A-B7A6-0CDD5DE6C2DD}"/>
+                <a16:creationId xmlns:a16="http://schemas.microsoft.com/office/drawing/2014/main" id="{7E0AF0F1-8A4A-4D10-8BF5-97277EC540C4}"/>
               </a:ext>
             </a:extLst>
           </p:cNvPr>
@@ -9975,8 +10738,8 @@
         </p:nvSpPr>
         <p:spPr>
           <a:xfrm>
-            <a:off x="2603369" y="744718"/>
-            <a:ext cx="6985262" cy="830997"/>
+            <a:off x="3751868" y="1640264"/>
+            <a:ext cx="3148553" cy="369332"/>
           </a:xfrm>
           <a:prstGeom prst="rect">
             <a:avLst/>
@@ -9990,48 +10753,29 @@
           <a:lstStyle/>
           <a:p>
             <a:r>
-              <a:rPr lang="zh-CN" altLang="en-US" sz="2400" b="1" dirty="0"/>
-              <a:t>配置好</a:t>
-            </a:r>
-            <a:r>
-              <a:rPr lang="en-US" altLang="zh-CN" sz="2400" b="1" dirty="0"/>
-              <a:t>tomcat</a:t>
-            </a:r>
-            <a:r>
-              <a:rPr lang="zh-CN" altLang="en-US" sz="2400" b="1" dirty="0"/>
-              <a:t>、</a:t>
-            </a:r>
-            <a:r>
-              <a:rPr lang="en-US" altLang="zh-CN" sz="2400" b="1" dirty="0" err="1"/>
-              <a:t>jdk</a:t>
-            </a:r>
-            <a:r>
-              <a:rPr lang="zh-CN" altLang="en-US" sz="2400" b="1" dirty="0"/>
-              <a:t>后成功利用</a:t>
-            </a:r>
-            <a:r>
-              <a:rPr lang="en-US" altLang="zh-CN" sz="2400" b="1" dirty="0" err="1"/>
+              <a:rPr lang="zh-CN" altLang="en-US" dirty="0"/>
+              <a:t>修改</a:t>
+            </a:r>
+            <a:r>
+              <a:rPr lang="en-US" altLang="zh-CN" dirty="0" err="1"/>
+              <a:t>Jdbc</a:t>
+            </a:r>
+            <a:r>
+              <a:rPr lang="zh-CN" altLang="en-US" dirty="0"/>
+              <a:t>代码以适配服务器</a:t>
+            </a:r>
+            <a:r>
+              <a:rPr lang="en-US" altLang="zh-CN" dirty="0" err="1"/>
               <a:t>ip</a:t>
             </a:r>
-            <a:r>
-              <a:rPr lang="zh-CN" altLang="en-US" sz="2400" b="1" dirty="0"/>
-              <a:t>跳转到</a:t>
-            </a:r>
-            <a:r>
-              <a:rPr lang="en-US" altLang="zh-CN" sz="2400" b="1" dirty="0"/>
-              <a:t>Tomcat</a:t>
-            </a:r>
-            <a:r>
-              <a:rPr lang="zh-CN" altLang="en-US" sz="2400" b="1" dirty="0"/>
-              <a:t>官网</a:t>
-            </a:r>
+            <a:endParaRPr lang="zh-CN" altLang="en-US" dirty="0"/>
           </a:p>
         </p:txBody>
       </p:sp>
     </p:spTree>
     <p:extLst>
       <p:ext uri="{BB962C8B-B14F-4D97-AF65-F5344CB8AC3E}">
-        <p14:creationId xmlns:p14="http://schemas.microsoft.com/office/powerpoint/2010/main" val="3118060513"/>
+        <p14:creationId xmlns:p14="http://schemas.microsoft.com/office/powerpoint/2010/main" val="325646669"/>
       </p:ext>
     </p:extLst>
   </p:cSld>
@@ -10161,6 +10905,120 @@
           <a:chExt cx="0" cy="0"/>
         </a:xfrm>
       </p:grpSpPr>
+      <p:sp>
+        <p:nvSpPr>
+          <p:cNvPr id="6" name="文本框 5">
+            <a:extLst>
+              <a:ext uri="{FF2B5EF4-FFF2-40B4-BE49-F238E27FC236}">
+                <a16:creationId xmlns:a16="http://schemas.microsoft.com/office/drawing/2014/main" id="{8B7E9859-62B3-459F-81A4-3B96BBA2BB8F}"/>
+              </a:ext>
+            </a:extLst>
+          </p:cNvPr>
+          <p:cNvSpPr txBox="1"/>
+          <p:nvPr/>
+        </p:nvSpPr>
+        <p:spPr>
+          <a:xfrm>
+            <a:off x="5175316" y="420336"/>
+            <a:ext cx="4930219" cy="369332"/>
+          </a:xfrm>
+          <a:prstGeom prst="rect">
+            <a:avLst/>
+          </a:prstGeom>
+          <a:noFill/>
+        </p:spPr>
+        <p:txBody>
+          <a:bodyPr wrap="square" rtlCol="0">
+            <a:spAutoFit/>
+          </a:bodyPr>
+          <a:lstStyle/>
+          <a:p>
+            <a:r>
+              <a:rPr lang="zh-CN" altLang="en-US" dirty="0"/>
+              <a:t>利用</a:t>
+            </a:r>
+            <a:r>
+              <a:rPr lang="en-US" altLang="zh-CN" dirty="0" err="1"/>
+              <a:t>Xshell</a:t>
+            </a:r>
+            <a:r>
+              <a:rPr lang="zh-CN" altLang="en-US" dirty="0"/>
+              <a:t>连接</a:t>
+            </a:r>
+            <a:r>
+              <a:rPr lang="en-US" altLang="zh-CN" dirty="0"/>
+              <a:t>CentOS</a:t>
+            </a:r>
+            <a:endParaRPr lang="zh-CN" altLang="en-US" dirty="0"/>
+          </a:p>
+        </p:txBody>
+      </p:sp>
+      <p:pic>
+        <p:nvPicPr>
+          <p:cNvPr id="8" name="图片 7">
+            <a:extLst>
+              <a:ext uri="{FF2B5EF4-FFF2-40B4-BE49-F238E27FC236}">
+                <a16:creationId xmlns:a16="http://schemas.microsoft.com/office/drawing/2014/main" id="{6A7CE072-197A-4289-97E4-71EAFB80FA6B}"/>
+              </a:ext>
+            </a:extLst>
+          </p:cNvPr>
+          <p:cNvPicPr>
+            <a:picLocks noChangeAspect="1"/>
+          </p:cNvPicPr>
+          <p:nvPr/>
+        </p:nvPicPr>
+        <p:blipFill>
+          <a:blip r:embed="rId2">
+            <a:extLst>
+              <a:ext uri="{28A0092B-C50C-407E-A947-70E740481C1C}">
+                <a14:useLocalDpi xmlns:a14="http://schemas.microsoft.com/office/drawing/2010/main" val="0"/>
+              </a:ext>
+            </a:extLst>
+          </a:blip>
+          <a:stretch>
+            <a:fillRect/>
+          </a:stretch>
+        </p:blipFill>
+        <p:spPr>
+          <a:xfrm>
+            <a:off x="968066" y="980389"/>
+            <a:ext cx="10344099" cy="5549178"/>
+          </a:xfrm>
+          <a:prstGeom prst="rect">
+            <a:avLst/>
+          </a:prstGeom>
+        </p:spPr>
+      </p:pic>
+    </p:spTree>
+    <p:extLst>
+      <p:ext uri="{BB962C8B-B14F-4D97-AF65-F5344CB8AC3E}">
+        <p14:creationId xmlns:p14="http://schemas.microsoft.com/office/powerpoint/2010/main" val="2376243994"/>
+      </p:ext>
+    </p:extLst>
+  </p:cSld>
+  <p:clrMapOvr>
+    <a:masterClrMapping/>
+  </p:clrMapOvr>
+</p:sld>
+</file>
+
+<file path=ppt/slides/slide8.xml><?xml version="1.0" encoding="utf-8"?>
+<p:sld xmlns:a="http://schemas.openxmlformats.org/drawingml/2006/main" xmlns:r="http://schemas.openxmlformats.org/officeDocument/2006/relationships" xmlns:p="http://schemas.openxmlformats.org/presentationml/2006/main">
+  <p:cSld>
+    <p:spTree>
+      <p:nvGrpSpPr>
+        <p:cNvPr id="1" name=""/>
+        <p:cNvGrpSpPr/>
+        <p:nvPr/>
+      </p:nvGrpSpPr>
+      <p:grpSpPr>
+        <a:xfrm>
+          <a:off x="0" y="0"/>
+          <a:ext cx="0" cy="0"/>
+          <a:chOff x="0" y="0"/>
+          <a:chExt cx="0" cy="0"/>
+        </a:xfrm>
+      </p:grpSpPr>
       <p:pic>
         <p:nvPicPr>
           <p:cNvPr id="5" name="图片 4">
@@ -10318,116 +11176,6 @@
 </p:sld>
 </file>
 
-<file path=ppt/slides/slide8.xml><?xml version="1.0" encoding="utf-8"?>
-<p:sld xmlns:a="http://schemas.openxmlformats.org/drawingml/2006/main" xmlns:r="http://schemas.openxmlformats.org/officeDocument/2006/relationships" xmlns:p="http://schemas.openxmlformats.org/presentationml/2006/main">
-  <p:cSld>
-    <p:spTree>
-      <p:nvGrpSpPr>
-        <p:cNvPr id="1" name=""/>
-        <p:cNvGrpSpPr/>
-        <p:nvPr/>
-      </p:nvGrpSpPr>
-      <p:grpSpPr>
-        <a:xfrm>
-          <a:off x="0" y="0"/>
-          <a:ext cx="0" cy="0"/>
-          <a:chOff x="0" y="0"/>
-          <a:chExt cx="0" cy="0"/>
-        </a:xfrm>
-      </p:grpSpPr>
-      <p:sp>
-        <p:nvSpPr>
-          <p:cNvPr id="2" name="标题 1">
-            <a:extLst>
-              <a:ext uri="{FF2B5EF4-FFF2-40B4-BE49-F238E27FC236}">
-                <a16:creationId xmlns:a16="http://schemas.microsoft.com/office/drawing/2014/main" id="{FB9F8693-C5EF-4A2D-B98E-EBE1E24F21A3}"/>
-              </a:ext>
-            </a:extLst>
-          </p:cNvPr>
-          <p:cNvSpPr>
-            <a:spLocks noGrp="1"/>
-          </p:cNvSpPr>
-          <p:nvPr>
-            <p:ph type="ctrTitle"/>
-          </p:nvPr>
-        </p:nvSpPr>
-        <p:spPr/>
-        <p:txBody>
-          <a:bodyPr/>
-          <a:lstStyle/>
-          <a:p>
-            <a:endParaRPr lang="zh-CN" altLang="en-US"/>
-          </a:p>
-        </p:txBody>
-      </p:sp>
-      <p:sp>
-        <p:nvSpPr>
-          <p:cNvPr id="3" name="副标题 2">
-            <a:extLst>
-              <a:ext uri="{FF2B5EF4-FFF2-40B4-BE49-F238E27FC236}">
-                <a16:creationId xmlns:a16="http://schemas.microsoft.com/office/drawing/2014/main" id="{499E0A28-4BF7-49A8-B270-D021B0AF1B04}"/>
-              </a:ext>
-            </a:extLst>
-          </p:cNvPr>
-          <p:cNvSpPr>
-            <a:spLocks noGrp="1"/>
-          </p:cNvSpPr>
-          <p:nvPr>
-            <p:ph type="subTitle" idx="1"/>
-          </p:nvPr>
-        </p:nvSpPr>
-        <p:spPr/>
-        <p:txBody>
-          <a:bodyPr/>
-          <a:lstStyle/>
-          <a:p>
-            <a:endParaRPr lang="zh-CN" altLang="en-US"/>
-          </a:p>
-        </p:txBody>
-      </p:sp>
-      <p:pic>
-        <p:nvPicPr>
-          <p:cNvPr id="7" name="图片 6">
-            <a:extLst>
-              <a:ext uri="{FF2B5EF4-FFF2-40B4-BE49-F238E27FC236}">
-                <a16:creationId xmlns:a16="http://schemas.microsoft.com/office/drawing/2014/main" id="{72EA255A-848E-4B82-85C8-56556CD8B86D}"/>
-              </a:ext>
-            </a:extLst>
-          </p:cNvPr>
-          <p:cNvPicPr>
-            <a:picLocks noChangeAspect="1"/>
-          </p:cNvPicPr>
-          <p:nvPr/>
-        </p:nvPicPr>
-        <p:blipFill>
-          <a:blip r:embed="rId2"/>
-          <a:stretch>
-            <a:fillRect/>
-          </a:stretch>
-        </p:blipFill>
-        <p:spPr>
-          <a:xfrm>
-            <a:off x="0" y="491512"/>
-            <a:ext cx="12192000" cy="5874975"/>
-          </a:xfrm>
-          <a:prstGeom prst="rect">
-            <a:avLst/>
-          </a:prstGeom>
-        </p:spPr>
-      </p:pic>
-    </p:spTree>
-    <p:extLst>
-      <p:ext uri="{BB962C8B-B14F-4D97-AF65-F5344CB8AC3E}">
-        <p14:creationId xmlns:p14="http://schemas.microsoft.com/office/powerpoint/2010/main" val="1569135736"/>
-      </p:ext>
-    </p:extLst>
-  </p:cSld>
-  <p:clrMapOvr>
-    <a:masterClrMapping/>
-  </p:clrMapOvr>
-</p:sld>
-</file>
-
 <file path=ppt/slides/slide9.xml><?xml version="1.0" encoding="utf-8"?>
 <p:sld xmlns:a="http://schemas.openxmlformats.org/drawingml/2006/main" xmlns:r="http://schemas.openxmlformats.org/officeDocument/2006/relationships" xmlns:p="http://schemas.openxmlformats.org/presentationml/2006/main">
   <p:cSld>
@@ -10445,62 +11193,12 @@
           <a:chExt cx="0" cy="0"/>
         </a:xfrm>
       </p:grpSpPr>
-      <p:sp>
-        <p:nvSpPr>
-          <p:cNvPr id="2" name="标题 1">
-            <a:extLst>
-              <a:ext uri="{FF2B5EF4-FFF2-40B4-BE49-F238E27FC236}">
-                <a16:creationId xmlns:a16="http://schemas.microsoft.com/office/drawing/2014/main" id="{C35EE18B-628F-4022-8A46-F2DC4EA6EC37}"/>
-              </a:ext>
-            </a:extLst>
-          </p:cNvPr>
-          <p:cNvSpPr>
-            <a:spLocks noGrp="1"/>
-          </p:cNvSpPr>
-          <p:nvPr>
-            <p:ph type="title"/>
-          </p:nvPr>
-        </p:nvSpPr>
-        <p:spPr/>
-        <p:txBody>
-          <a:bodyPr/>
-          <a:lstStyle/>
-          <a:p>
-            <a:endParaRPr lang="zh-CN" altLang="en-US"/>
-          </a:p>
-        </p:txBody>
-      </p:sp>
-      <p:sp>
-        <p:nvSpPr>
-          <p:cNvPr id="3" name="内容占位符 2">
-            <a:extLst>
-              <a:ext uri="{FF2B5EF4-FFF2-40B4-BE49-F238E27FC236}">
-                <a16:creationId xmlns:a16="http://schemas.microsoft.com/office/drawing/2014/main" id="{629EC255-C9E9-4E88-AF44-62784B739FC4}"/>
-              </a:ext>
-            </a:extLst>
-          </p:cNvPr>
-          <p:cNvSpPr>
-            <a:spLocks noGrp="1"/>
-          </p:cNvSpPr>
-          <p:nvPr>
-            <p:ph idx="1"/>
-          </p:nvPr>
-        </p:nvSpPr>
-        <p:spPr/>
-        <p:txBody>
-          <a:bodyPr/>
-          <a:lstStyle/>
-          <a:p>
-            <a:endParaRPr lang="zh-CN" altLang="en-US"/>
-          </a:p>
-        </p:txBody>
-      </p:sp>
       <p:pic>
         <p:nvPicPr>
           <p:cNvPr id="5" name="图片 4">
             <a:extLst>
               <a:ext uri="{FF2B5EF4-FFF2-40B4-BE49-F238E27FC236}">
-                <a16:creationId xmlns:a16="http://schemas.microsoft.com/office/drawing/2014/main" id="{FCD1A0C7-D6EC-471F-BD62-8BC7B2F77CB4}"/>
+                <a16:creationId xmlns:a16="http://schemas.microsoft.com/office/drawing/2014/main" id="{0EA3B8E6-690B-447F-BC58-6B2ED1BB4532}"/>
               </a:ext>
             </a:extLst>
           </p:cNvPr>
@@ -10510,25 +11208,159 @@
           <p:nvPr/>
         </p:nvPicPr>
         <p:blipFill>
-          <a:blip r:embed="rId2"/>
+          <a:blip r:embed="rId2">
+            <a:extLst>
+              <a:ext uri="{28A0092B-C50C-407E-A947-70E740481C1C}">
+                <a14:useLocalDpi xmlns:a14="http://schemas.microsoft.com/office/drawing/2010/main" val="0"/>
+              </a:ext>
+            </a:extLst>
+          </a:blip>
           <a:stretch>
             <a:fillRect/>
           </a:stretch>
         </p:blipFill>
         <p:spPr>
           <a:xfrm>
-            <a:off x="0" y="447744"/>
-            <a:ext cx="12192000" cy="5962511"/>
+            <a:off x="990358" y="2168238"/>
+            <a:ext cx="7173254" cy="2521524"/>
           </a:xfrm>
           <a:prstGeom prst="rect">
             <a:avLst/>
           </a:prstGeom>
         </p:spPr>
       </p:pic>
+      <p:sp>
+        <p:nvSpPr>
+          <p:cNvPr id="6" name="文本框 5">
+            <a:extLst>
+              <a:ext uri="{FF2B5EF4-FFF2-40B4-BE49-F238E27FC236}">
+                <a16:creationId xmlns:a16="http://schemas.microsoft.com/office/drawing/2014/main" id="{319EC60C-3BF4-41E5-926F-C1BC8DB18687}"/>
+              </a:ext>
+            </a:extLst>
+          </p:cNvPr>
+          <p:cNvSpPr txBox="1"/>
+          <p:nvPr/>
+        </p:nvSpPr>
+        <p:spPr>
+          <a:xfrm>
+            <a:off x="2083325" y="763539"/>
+            <a:ext cx="4326903" cy="954107"/>
+          </a:xfrm>
+          <a:prstGeom prst="rect">
+            <a:avLst/>
+          </a:prstGeom>
+          <a:noFill/>
+        </p:spPr>
+        <p:txBody>
+          <a:bodyPr wrap="square" rtlCol="0">
+            <a:spAutoFit/>
+          </a:bodyPr>
+          <a:lstStyle/>
+          <a:p>
+            <a:r>
+              <a:rPr lang="en-US" altLang="zh-CN" sz="2800" b="1" dirty="0"/>
+              <a:t>CentOS</a:t>
+            </a:r>
+            <a:r>
+              <a:rPr lang="zh-CN" altLang="en-US" sz="2800" b="1" dirty="0"/>
+              <a:t>下成功安装</a:t>
+            </a:r>
+            <a:r>
+              <a:rPr lang="en-US" altLang="zh-CN" sz="2800" b="1" dirty="0"/>
+              <a:t>JDK1.8.0.151</a:t>
+            </a:r>
+            <a:endParaRPr lang="zh-CN" altLang="en-US" sz="2800" b="1" dirty="0"/>
+          </a:p>
+        </p:txBody>
+      </p:sp>
+      <p:pic>
+        <p:nvPicPr>
+          <p:cNvPr id="8" name="图片 7">
+            <a:extLst>
+              <a:ext uri="{FF2B5EF4-FFF2-40B4-BE49-F238E27FC236}">
+                <a16:creationId xmlns:a16="http://schemas.microsoft.com/office/drawing/2014/main" id="{467FFA0D-0728-4568-84E7-F0DEC71751E8}"/>
+              </a:ext>
+            </a:extLst>
+          </p:cNvPr>
+          <p:cNvPicPr>
+            <a:picLocks noChangeAspect="1"/>
+          </p:cNvPicPr>
+          <p:nvPr/>
+        </p:nvPicPr>
+        <p:blipFill>
+          <a:blip r:embed="rId3">
+            <a:extLst>
+              <a:ext uri="{28A0092B-C50C-407E-A947-70E740481C1C}">
+                <a14:useLocalDpi xmlns:a14="http://schemas.microsoft.com/office/drawing/2010/main" val="0"/>
+              </a:ext>
+            </a:extLst>
+          </a:blip>
+          <a:stretch>
+            <a:fillRect/>
+          </a:stretch>
+        </p:blipFill>
+        <p:spPr>
+          <a:xfrm>
+            <a:off x="8377316" y="1427816"/>
+            <a:ext cx="3462717" cy="4940039"/>
+          </a:xfrm>
+          <a:prstGeom prst="rect">
+            <a:avLst/>
+          </a:prstGeom>
+        </p:spPr>
+      </p:pic>
+      <p:sp>
+        <p:nvSpPr>
+          <p:cNvPr id="9" name="文本框 8">
+            <a:extLst>
+              <a:ext uri="{FF2B5EF4-FFF2-40B4-BE49-F238E27FC236}">
+                <a16:creationId xmlns:a16="http://schemas.microsoft.com/office/drawing/2014/main" id="{6B90EA32-B16E-4568-92F6-08C34C937F72}"/>
+              </a:ext>
+            </a:extLst>
+          </p:cNvPr>
+          <p:cNvSpPr txBox="1"/>
+          <p:nvPr/>
+        </p:nvSpPr>
+        <p:spPr>
+          <a:xfrm>
+            <a:off x="8823489" y="688157"/>
+            <a:ext cx="2262433" cy="646331"/>
+          </a:xfrm>
+          <a:prstGeom prst="rect">
+            <a:avLst/>
+          </a:prstGeom>
+          <a:noFill/>
+        </p:spPr>
+        <p:txBody>
+          <a:bodyPr wrap="square" rtlCol="0">
+            <a:spAutoFit/>
+          </a:bodyPr>
+          <a:lstStyle/>
+          <a:p>
+            <a:r>
+              <a:rPr lang="zh-CN" altLang="en-US" dirty="0"/>
+              <a:t>成功将</a:t>
+            </a:r>
+            <a:r>
+              <a:rPr lang="en-US" altLang="zh-CN" dirty="0" err="1"/>
+              <a:t>sql</a:t>
+            </a:r>
+            <a:r>
+              <a:rPr lang="zh-CN" altLang="en-US" dirty="0"/>
+              <a:t>文件传送到</a:t>
+            </a:r>
+            <a:r>
+              <a:rPr lang="en-US" altLang="zh-CN" dirty="0"/>
+              <a:t>Centos</a:t>
+            </a:r>
+            <a:endParaRPr lang="zh-CN" altLang="en-US" dirty="0"/>
+          </a:p>
+        </p:txBody>
+      </p:sp>
     </p:spTree>
     <p:extLst>
       <p:ext uri="{BB962C8B-B14F-4D97-AF65-F5344CB8AC3E}">
-        <p14:creationId xmlns:p14="http://schemas.microsoft.com/office/powerpoint/2010/main" val="2322053504"/>
+        <p14:creationId xmlns:p14="http://schemas.microsoft.com/office/powerpoint/2010/main" val="2639676987"/>
       </p:ext>
     </p:extLst>
   </p:cSld>
